--- a/Loan Book Analysis.pptx
+++ b/Loan Book Analysis.pptx
@@ -1,17 +1,17 @@
 
 <file path=ppt/presentation.xml><?xml version="1.0" encoding="utf-8"?>
-<p:presentation xmlns:a="http://schemas.openxmlformats.org/drawingml/2006/main" xmlns:r="http://schemas.openxmlformats.org/officeDocument/2006/relationships" xmlns:p="http://schemas.openxmlformats.org/presentationml/2006/main" saveSubsetFonts="1">
+<p:presentation xmlns:a="http://schemas.openxmlformats.org/drawingml/2006/main" xmlns:r="http://schemas.openxmlformats.org/officeDocument/2006/relationships" xmlns:p="http://schemas.openxmlformats.org/presentationml/2006/main">
   <p:sldMasterIdLst>
     <p:sldMasterId id="2147483648" r:id="rId1"/>
   </p:sldMasterIdLst>
   <p:sldIdLst>
-    <p:sldId id="256" r:id="rId2"/>
-    <p:sldId id="257" r:id="rId3"/>
-    <p:sldId id="258" r:id="rId4"/>
-    <p:sldId id="259" r:id="rId5"/>
-    <p:sldId id="260" r:id="rId6"/>
-    <p:sldId id="261" r:id="rId7"/>
-    <p:sldId id="262" r:id="rId8"/>
+    <p:sldId id="256" r:id="rId3"/>
+    <p:sldId id="257" r:id="rId4"/>
+    <p:sldId id="258" r:id="rId5"/>
+    <p:sldId id="259" r:id="rId6"/>
+    <p:sldId id="260" r:id="rId7"/>
+    <p:sldId id="261" r:id="rId8"/>
+    <p:sldId id="262" r:id="rId9"/>
   </p:sldIdLst>
   <p:sldSz cx="12192000" cy="6858000"/>
   <p:notesSz cx="6858000" cy="9144000"/>
@@ -132,13 +132,7 @@
       </p:grpSpPr>
       <p:sp>
         <p:nvSpPr>
-          <p:cNvPr id="2" name="Title 1">
-            <a:extLst>
-              <a:ext uri="{FF2B5EF4-FFF2-40B4-BE49-F238E27FC236}">
-                <a16:creationId xmlns:a16="http://schemas.microsoft.com/office/drawing/2014/main" id="{B9C68C35-FEA1-AF6C-ACBF-9641553A83AB}"/>
-              </a:ext>
-            </a:extLst>
-          </p:cNvPr>
+          <p:cNvPr id="2" name="Title 1"/>
           <p:cNvSpPr>
             <a:spLocks noGrp="1"/>
           </p:cNvSpPr>
@@ -164,18 +158,13 @@
               <a:rPr lang="en-US"/>
               <a:t>Click to edit Master title style</a:t>
             </a:r>
-          </a:p>
-        </p:txBody>
-      </p:sp>
-      <p:sp>
-        <p:nvSpPr>
-          <p:cNvPr id="3" name="Subtitle 2">
-            <a:extLst>
-              <a:ext uri="{FF2B5EF4-FFF2-40B4-BE49-F238E27FC236}">
-                <a16:creationId xmlns:a16="http://schemas.microsoft.com/office/drawing/2014/main" id="{CE56C040-E62B-CBC8-69D1-737F6B156656}"/>
-              </a:ext>
-            </a:extLst>
-          </p:cNvPr>
+            <a:endParaRPr lang="en-US"/>
+          </a:p>
+        </p:txBody>
+      </p:sp>
+      <p:sp>
+        <p:nvSpPr>
+          <p:cNvPr id="3" name="Subtitle 2"/>
           <p:cNvSpPr>
             <a:spLocks noGrp="1"/>
           </p:cNvSpPr>
@@ -234,18 +223,13 @@
               <a:rPr lang="en-US"/>
               <a:t>Click to edit Master subtitle style</a:t>
             </a:r>
-          </a:p>
-        </p:txBody>
-      </p:sp>
-      <p:sp>
-        <p:nvSpPr>
-          <p:cNvPr id="4" name="Date Placeholder 3">
-            <a:extLst>
-              <a:ext uri="{FF2B5EF4-FFF2-40B4-BE49-F238E27FC236}">
-                <a16:creationId xmlns:a16="http://schemas.microsoft.com/office/drawing/2014/main" id="{B36A0333-10E1-FE36-1D10-CEF67561BC82}"/>
-              </a:ext>
-            </a:extLst>
-          </p:cNvPr>
+            <a:endParaRPr lang="en-US"/>
+          </a:p>
+        </p:txBody>
+      </p:sp>
+      <p:sp>
+        <p:nvSpPr>
+          <p:cNvPr id="4" name="Date Placeholder 3"/>
           <p:cNvSpPr>
             <a:spLocks noGrp="1"/>
           </p:cNvSpPr>
@@ -260,7 +244,6 @@
           <a:p>
             <a:fld id="{7835BC4A-3205-4E2B-B71B-78A7480DA5C2}" type="datetimeFigureOut">
               <a:rPr lang="en-US" smtClean="0"/>
-              <a:t>12/20/23</a:t>
             </a:fld>
             <a:endParaRPr lang="en-US"/>
           </a:p>
@@ -268,13 +251,7 @@
       </p:sp>
       <p:sp>
         <p:nvSpPr>
-          <p:cNvPr id="5" name="Footer Placeholder 4">
-            <a:extLst>
-              <a:ext uri="{FF2B5EF4-FFF2-40B4-BE49-F238E27FC236}">
-                <a16:creationId xmlns:a16="http://schemas.microsoft.com/office/drawing/2014/main" id="{028ABFDC-EF8D-B192-9D64-105C903C6AB6}"/>
-              </a:ext>
-            </a:extLst>
-          </p:cNvPr>
+          <p:cNvPr id="5" name="Footer Placeholder 4"/>
           <p:cNvSpPr>
             <a:spLocks noGrp="1"/>
           </p:cNvSpPr>
@@ -293,13 +270,7 @@
       </p:sp>
       <p:sp>
         <p:nvSpPr>
-          <p:cNvPr id="6" name="Slide Number Placeholder 5">
-            <a:extLst>
-              <a:ext uri="{FF2B5EF4-FFF2-40B4-BE49-F238E27FC236}">
-                <a16:creationId xmlns:a16="http://schemas.microsoft.com/office/drawing/2014/main" id="{CF67EC4B-E640-D5B4-A724-ED333E3DCB54}"/>
-              </a:ext>
-            </a:extLst>
-          </p:cNvPr>
+          <p:cNvPr id="6" name="Slide Number Placeholder 5"/>
           <p:cNvSpPr>
             <a:spLocks noGrp="1"/>
           </p:cNvSpPr>
@@ -314,18 +285,12 @@
           <a:p>
             <a:fld id="{33254A9E-6A91-4E5B-8A50-A6E17C72237E}" type="slidenum">
               <a:rPr lang="en-US" smtClean="0"/>
-              <a:t>‹#›</a:t>
             </a:fld>
             <a:endParaRPr lang="en-US"/>
           </a:p>
         </p:txBody>
       </p:sp>
     </p:spTree>
-    <p:extLst>
-      <p:ext uri="{BB962C8B-B14F-4D97-AF65-F5344CB8AC3E}">
-        <p14:creationId xmlns:p14="http://schemas.microsoft.com/office/powerpoint/2010/main" val="2505318637"/>
-      </p:ext>
-    </p:extLst>
   </p:cSld>
   <p:clrMapOvr>
     <a:masterClrMapping/>
@@ -352,13 +317,7 @@
       </p:grpSpPr>
       <p:sp>
         <p:nvSpPr>
-          <p:cNvPr id="2" name="Title 1">
-            <a:extLst>
-              <a:ext uri="{FF2B5EF4-FFF2-40B4-BE49-F238E27FC236}">
-                <a16:creationId xmlns:a16="http://schemas.microsoft.com/office/drawing/2014/main" id="{ACF2AB7C-2C0C-59E5-0EB2-18133562973B}"/>
-              </a:ext>
-            </a:extLst>
-          </p:cNvPr>
+          <p:cNvPr id="2" name="Title 1"/>
           <p:cNvSpPr>
             <a:spLocks noGrp="1"/>
           </p:cNvSpPr>
@@ -375,18 +334,13 @@
               <a:rPr lang="en-US"/>
               <a:t>Click to edit Master title style</a:t>
             </a:r>
-          </a:p>
-        </p:txBody>
-      </p:sp>
-      <p:sp>
-        <p:nvSpPr>
-          <p:cNvPr id="3" name="Vertical Text Placeholder 2">
-            <a:extLst>
-              <a:ext uri="{FF2B5EF4-FFF2-40B4-BE49-F238E27FC236}">
-                <a16:creationId xmlns:a16="http://schemas.microsoft.com/office/drawing/2014/main" id="{4218CDA5-7AF1-5172-D937-138F35F31FC9}"/>
-              </a:ext>
-            </a:extLst>
-          </p:cNvPr>
+            <a:endParaRPr lang="en-US"/>
+          </a:p>
+        </p:txBody>
+      </p:sp>
+      <p:sp>
+        <p:nvSpPr>
+          <p:cNvPr id="3" name="Vertical Text Placeholder 2"/>
           <p:cNvSpPr>
             <a:spLocks noGrp="1"/>
           </p:cNvSpPr>
@@ -404,6 +358,7 @@
               <a:rPr lang="en-US"/>
               <a:t>Click to edit Master text styles</a:t>
             </a:r>
+            <a:endParaRPr lang="en-US"/>
           </a:p>
           <a:p>
             <a:pPr lvl="1"/>
@@ -411,6 +366,7 @@
               <a:rPr lang="en-US"/>
               <a:t>Second level</a:t>
             </a:r>
+            <a:endParaRPr lang="en-US"/>
           </a:p>
           <a:p>
             <a:pPr lvl="2"/>
@@ -418,6 +374,7 @@
               <a:rPr lang="en-US"/>
               <a:t>Third level</a:t>
             </a:r>
+            <a:endParaRPr lang="en-US"/>
           </a:p>
           <a:p>
             <a:pPr lvl="3"/>
@@ -425,6 +382,7 @@
               <a:rPr lang="en-US"/>
               <a:t>Fourth level</a:t>
             </a:r>
+            <a:endParaRPr lang="en-US"/>
           </a:p>
           <a:p>
             <a:pPr lvl="4"/>
@@ -432,18 +390,13 @@
               <a:rPr lang="en-US"/>
               <a:t>Fifth level</a:t>
             </a:r>
-          </a:p>
-        </p:txBody>
-      </p:sp>
-      <p:sp>
-        <p:nvSpPr>
-          <p:cNvPr id="4" name="Date Placeholder 3">
-            <a:extLst>
-              <a:ext uri="{FF2B5EF4-FFF2-40B4-BE49-F238E27FC236}">
-                <a16:creationId xmlns:a16="http://schemas.microsoft.com/office/drawing/2014/main" id="{D528CE1E-612B-ED3A-A2EF-FB9FBFE28E03}"/>
-              </a:ext>
-            </a:extLst>
-          </p:cNvPr>
+            <a:endParaRPr lang="en-US"/>
+          </a:p>
+        </p:txBody>
+      </p:sp>
+      <p:sp>
+        <p:nvSpPr>
+          <p:cNvPr id="4" name="Date Placeholder 3"/>
           <p:cNvSpPr>
             <a:spLocks noGrp="1"/>
           </p:cNvSpPr>
@@ -458,7 +411,6 @@
           <a:p>
             <a:fld id="{7835BC4A-3205-4E2B-B71B-78A7480DA5C2}" type="datetimeFigureOut">
               <a:rPr lang="en-US" smtClean="0"/>
-              <a:t>12/20/23</a:t>
             </a:fld>
             <a:endParaRPr lang="en-US"/>
           </a:p>
@@ -466,13 +418,7 @@
       </p:sp>
       <p:sp>
         <p:nvSpPr>
-          <p:cNvPr id="5" name="Footer Placeholder 4">
-            <a:extLst>
-              <a:ext uri="{FF2B5EF4-FFF2-40B4-BE49-F238E27FC236}">
-                <a16:creationId xmlns:a16="http://schemas.microsoft.com/office/drawing/2014/main" id="{16596617-F8DA-30A3-0D36-CF887F40504E}"/>
-              </a:ext>
-            </a:extLst>
-          </p:cNvPr>
+          <p:cNvPr id="5" name="Footer Placeholder 4"/>
           <p:cNvSpPr>
             <a:spLocks noGrp="1"/>
           </p:cNvSpPr>
@@ -491,13 +437,7 @@
       </p:sp>
       <p:sp>
         <p:nvSpPr>
-          <p:cNvPr id="6" name="Slide Number Placeholder 5">
-            <a:extLst>
-              <a:ext uri="{FF2B5EF4-FFF2-40B4-BE49-F238E27FC236}">
-                <a16:creationId xmlns:a16="http://schemas.microsoft.com/office/drawing/2014/main" id="{54A08A36-660D-7D27-B665-D504F5D23004}"/>
-              </a:ext>
-            </a:extLst>
-          </p:cNvPr>
+          <p:cNvPr id="6" name="Slide Number Placeholder 5"/>
           <p:cNvSpPr>
             <a:spLocks noGrp="1"/>
           </p:cNvSpPr>
@@ -512,18 +452,12 @@
           <a:p>
             <a:fld id="{33254A9E-6A91-4E5B-8A50-A6E17C72237E}" type="slidenum">
               <a:rPr lang="en-US" smtClean="0"/>
-              <a:t>‹#›</a:t>
             </a:fld>
             <a:endParaRPr lang="en-US"/>
           </a:p>
         </p:txBody>
       </p:sp>
     </p:spTree>
-    <p:extLst>
-      <p:ext uri="{BB962C8B-B14F-4D97-AF65-F5344CB8AC3E}">
-        <p14:creationId xmlns:p14="http://schemas.microsoft.com/office/powerpoint/2010/main" val="3266596909"/>
-      </p:ext>
-    </p:extLst>
   </p:cSld>
   <p:clrMapOvr>
     <a:masterClrMapping/>
@@ -550,13 +484,7 @@
       </p:grpSpPr>
       <p:sp>
         <p:nvSpPr>
-          <p:cNvPr id="2" name="Vertical Title 1">
-            <a:extLst>
-              <a:ext uri="{FF2B5EF4-FFF2-40B4-BE49-F238E27FC236}">
-                <a16:creationId xmlns:a16="http://schemas.microsoft.com/office/drawing/2014/main" id="{CD398BC6-AD07-D8AD-AA84-50C6925F7539}"/>
-              </a:ext>
-            </a:extLst>
-          </p:cNvPr>
+          <p:cNvPr id="2" name="Vertical Title 1"/>
           <p:cNvSpPr>
             <a:spLocks noGrp="1"/>
           </p:cNvSpPr>
@@ -578,18 +506,13 @@
               <a:rPr lang="en-US"/>
               <a:t>Click to edit Master title style</a:t>
             </a:r>
-          </a:p>
-        </p:txBody>
-      </p:sp>
-      <p:sp>
-        <p:nvSpPr>
-          <p:cNvPr id="3" name="Vertical Text Placeholder 2">
-            <a:extLst>
-              <a:ext uri="{FF2B5EF4-FFF2-40B4-BE49-F238E27FC236}">
-                <a16:creationId xmlns:a16="http://schemas.microsoft.com/office/drawing/2014/main" id="{637CA2E0-5B64-2AD6-333B-16E914A6D810}"/>
-              </a:ext>
-            </a:extLst>
-          </p:cNvPr>
+            <a:endParaRPr lang="en-US"/>
+          </a:p>
+        </p:txBody>
+      </p:sp>
+      <p:sp>
+        <p:nvSpPr>
+          <p:cNvPr id="3" name="Vertical Text Placeholder 2"/>
           <p:cNvSpPr>
             <a:spLocks noGrp="1"/>
           </p:cNvSpPr>
@@ -612,6 +535,7 @@
               <a:rPr lang="en-US"/>
               <a:t>Click to edit Master text styles</a:t>
             </a:r>
+            <a:endParaRPr lang="en-US"/>
           </a:p>
           <a:p>
             <a:pPr lvl="1"/>
@@ -619,6 +543,7 @@
               <a:rPr lang="en-US"/>
               <a:t>Second level</a:t>
             </a:r>
+            <a:endParaRPr lang="en-US"/>
           </a:p>
           <a:p>
             <a:pPr lvl="2"/>
@@ -626,6 +551,7 @@
               <a:rPr lang="en-US"/>
               <a:t>Third level</a:t>
             </a:r>
+            <a:endParaRPr lang="en-US"/>
           </a:p>
           <a:p>
             <a:pPr lvl="3"/>
@@ -633,6 +559,7 @@
               <a:rPr lang="en-US"/>
               <a:t>Fourth level</a:t>
             </a:r>
+            <a:endParaRPr lang="en-US"/>
           </a:p>
           <a:p>
             <a:pPr lvl="4"/>
@@ -640,18 +567,13 @@
               <a:rPr lang="en-US"/>
               <a:t>Fifth level</a:t>
             </a:r>
-          </a:p>
-        </p:txBody>
-      </p:sp>
-      <p:sp>
-        <p:nvSpPr>
-          <p:cNvPr id="4" name="Date Placeholder 3">
-            <a:extLst>
-              <a:ext uri="{FF2B5EF4-FFF2-40B4-BE49-F238E27FC236}">
-                <a16:creationId xmlns:a16="http://schemas.microsoft.com/office/drawing/2014/main" id="{2EF8B24A-6CEF-ACDB-86EC-FFBF95BA90F1}"/>
-              </a:ext>
-            </a:extLst>
-          </p:cNvPr>
+            <a:endParaRPr lang="en-US"/>
+          </a:p>
+        </p:txBody>
+      </p:sp>
+      <p:sp>
+        <p:nvSpPr>
+          <p:cNvPr id="4" name="Date Placeholder 3"/>
           <p:cNvSpPr>
             <a:spLocks noGrp="1"/>
           </p:cNvSpPr>
@@ -666,7 +588,6 @@
           <a:p>
             <a:fld id="{7835BC4A-3205-4E2B-B71B-78A7480DA5C2}" type="datetimeFigureOut">
               <a:rPr lang="en-US" smtClean="0"/>
-              <a:t>12/20/23</a:t>
             </a:fld>
             <a:endParaRPr lang="en-US"/>
           </a:p>
@@ -674,13 +595,7 @@
       </p:sp>
       <p:sp>
         <p:nvSpPr>
-          <p:cNvPr id="5" name="Footer Placeholder 4">
-            <a:extLst>
-              <a:ext uri="{FF2B5EF4-FFF2-40B4-BE49-F238E27FC236}">
-                <a16:creationId xmlns:a16="http://schemas.microsoft.com/office/drawing/2014/main" id="{F6E584F7-CF44-3CDA-F452-22C634FC6758}"/>
-              </a:ext>
-            </a:extLst>
-          </p:cNvPr>
+          <p:cNvPr id="5" name="Footer Placeholder 4"/>
           <p:cNvSpPr>
             <a:spLocks noGrp="1"/>
           </p:cNvSpPr>
@@ -699,13 +614,7 @@
       </p:sp>
       <p:sp>
         <p:nvSpPr>
-          <p:cNvPr id="6" name="Slide Number Placeholder 5">
-            <a:extLst>
-              <a:ext uri="{FF2B5EF4-FFF2-40B4-BE49-F238E27FC236}">
-                <a16:creationId xmlns:a16="http://schemas.microsoft.com/office/drawing/2014/main" id="{F546AB99-0D6E-78BF-CF7B-DCAB8C4E0070}"/>
-              </a:ext>
-            </a:extLst>
-          </p:cNvPr>
+          <p:cNvPr id="6" name="Slide Number Placeholder 5"/>
           <p:cNvSpPr>
             <a:spLocks noGrp="1"/>
           </p:cNvSpPr>
@@ -720,18 +629,12 @@
           <a:p>
             <a:fld id="{33254A9E-6A91-4E5B-8A50-A6E17C72237E}" type="slidenum">
               <a:rPr lang="en-US" smtClean="0"/>
-              <a:t>‹#›</a:t>
             </a:fld>
             <a:endParaRPr lang="en-US"/>
           </a:p>
         </p:txBody>
       </p:sp>
     </p:spTree>
-    <p:extLst>
-      <p:ext uri="{BB962C8B-B14F-4D97-AF65-F5344CB8AC3E}">
-        <p14:creationId xmlns:p14="http://schemas.microsoft.com/office/powerpoint/2010/main" val="3814345987"/>
-      </p:ext>
-    </p:extLst>
   </p:cSld>
   <p:clrMapOvr>
     <a:masterClrMapping/>
@@ -758,13 +661,7 @@
       </p:grpSpPr>
       <p:sp>
         <p:nvSpPr>
-          <p:cNvPr id="2" name="Title 1">
-            <a:extLst>
-              <a:ext uri="{FF2B5EF4-FFF2-40B4-BE49-F238E27FC236}">
-                <a16:creationId xmlns:a16="http://schemas.microsoft.com/office/drawing/2014/main" id="{1DC2B892-4CB5-A3AE-B22E-2F09D4B7A494}"/>
-              </a:ext>
-            </a:extLst>
-          </p:cNvPr>
+          <p:cNvPr id="2" name="Title 1"/>
           <p:cNvSpPr>
             <a:spLocks noGrp="1"/>
           </p:cNvSpPr>
@@ -781,18 +678,13 @@
               <a:rPr lang="en-US"/>
               <a:t>Click to edit Master title style</a:t>
             </a:r>
-          </a:p>
-        </p:txBody>
-      </p:sp>
-      <p:sp>
-        <p:nvSpPr>
-          <p:cNvPr id="3" name="Content Placeholder 2">
-            <a:extLst>
-              <a:ext uri="{FF2B5EF4-FFF2-40B4-BE49-F238E27FC236}">
-                <a16:creationId xmlns:a16="http://schemas.microsoft.com/office/drawing/2014/main" id="{2706B4F7-3324-204F-7AA7-8C6348EB3651}"/>
-              </a:ext>
-            </a:extLst>
-          </p:cNvPr>
+            <a:endParaRPr lang="en-US"/>
+          </a:p>
+        </p:txBody>
+      </p:sp>
+      <p:sp>
+        <p:nvSpPr>
+          <p:cNvPr id="3" name="Content Placeholder 2"/>
           <p:cNvSpPr>
             <a:spLocks noGrp="1"/>
           </p:cNvSpPr>
@@ -810,6 +702,7 @@
               <a:rPr lang="en-US"/>
               <a:t>Click to edit Master text styles</a:t>
             </a:r>
+            <a:endParaRPr lang="en-US"/>
           </a:p>
           <a:p>
             <a:pPr lvl="1"/>
@@ -817,6 +710,7 @@
               <a:rPr lang="en-US"/>
               <a:t>Second level</a:t>
             </a:r>
+            <a:endParaRPr lang="en-US"/>
           </a:p>
           <a:p>
             <a:pPr lvl="2"/>
@@ -824,6 +718,7 @@
               <a:rPr lang="en-US"/>
               <a:t>Third level</a:t>
             </a:r>
+            <a:endParaRPr lang="en-US"/>
           </a:p>
           <a:p>
             <a:pPr lvl="3"/>
@@ -831,6 +726,7 @@
               <a:rPr lang="en-US"/>
               <a:t>Fourth level</a:t>
             </a:r>
+            <a:endParaRPr lang="en-US"/>
           </a:p>
           <a:p>
             <a:pPr lvl="4"/>
@@ -838,18 +734,13 @@
               <a:rPr lang="en-US"/>
               <a:t>Fifth level</a:t>
             </a:r>
-          </a:p>
-        </p:txBody>
-      </p:sp>
-      <p:sp>
-        <p:nvSpPr>
-          <p:cNvPr id="4" name="Date Placeholder 3">
-            <a:extLst>
-              <a:ext uri="{FF2B5EF4-FFF2-40B4-BE49-F238E27FC236}">
-                <a16:creationId xmlns:a16="http://schemas.microsoft.com/office/drawing/2014/main" id="{B9191871-E133-C641-F309-0932320D1F99}"/>
-              </a:ext>
-            </a:extLst>
-          </p:cNvPr>
+            <a:endParaRPr lang="en-US"/>
+          </a:p>
+        </p:txBody>
+      </p:sp>
+      <p:sp>
+        <p:nvSpPr>
+          <p:cNvPr id="4" name="Date Placeholder 3"/>
           <p:cNvSpPr>
             <a:spLocks noGrp="1"/>
           </p:cNvSpPr>
@@ -864,7 +755,6 @@
           <a:p>
             <a:fld id="{7835BC4A-3205-4E2B-B71B-78A7480DA5C2}" type="datetimeFigureOut">
               <a:rPr lang="en-US" smtClean="0"/>
-              <a:t>12/20/23</a:t>
             </a:fld>
             <a:endParaRPr lang="en-US"/>
           </a:p>
@@ -872,13 +762,7 @@
       </p:sp>
       <p:sp>
         <p:nvSpPr>
-          <p:cNvPr id="5" name="Footer Placeholder 4">
-            <a:extLst>
-              <a:ext uri="{FF2B5EF4-FFF2-40B4-BE49-F238E27FC236}">
-                <a16:creationId xmlns:a16="http://schemas.microsoft.com/office/drawing/2014/main" id="{572D5DA7-08EB-F861-88F8-F438A8164D85}"/>
-              </a:ext>
-            </a:extLst>
-          </p:cNvPr>
+          <p:cNvPr id="5" name="Footer Placeholder 4"/>
           <p:cNvSpPr>
             <a:spLocks noGrp="1"/>
           </p:cNvSpPr>
@@ -897,13 +781,7 @@
       </p:sp>
       <p:sp>
         <p:nvSpPr>
-          <p:cNvPr id="6" name="Slide Number Placeholder 5">
-            <a:extLst>
-              <a:ext uri="{FF2B5EF4-FFF2-40B4-BE49-F238E27FC236}">
-                <a16:creationId xmlns:a16="http://schemas.microsoft.com/office/drawing/2014/main" id="{96E05F3B-440F-EDC7-791B-8600CE2C59C6}"/>
-              </a:ext>
-            </a:extLst>
-          </p:cNvPr>
+          <p:cNvPr id="6" name="Slide Number Placeholder 5"/>
           <p:cNvSpPr>
             <a:spLocks noGrp="1"/>
           </p:cNvSpPr>
@@ -918,18 +796,12 @@
           <a:p>
             <a:fld id="{33254A9E-6A91-4E5B-8A50-A6E17C72237E}" type="slidenum">
               <a:rPr lang="en-US" smtClean="0"/>
-              <a:t>‹#›</a:t>
             </a:fld>
             <a:endParaRPr lang="en-US"/>
           </a:p>
         </p:txBody>
       </p:sp>
     </p:spTree>
-    <p:extLst>
-      <p:ext uri="{BB962C8B-B14F-4D97-AF65-F5344CB8AC3E}">
-        <p14:creationId xmlns:p14="http://schemas.microsoft.com/office/powerpoint/2010/main" val="1580823650"/>
-      </p:ext>
-    </p:extLst>
   </p:cSld>
   <p:clrMapOvr>
     <a:masterClrMapping/>
@@ -956,13 +828,7 @@
       </p:grpSpPr>
       <p:sp>
         <p:nvSpPr>
-          <p:cNvPr id="2" name="Title 1">
-            <a:extLst>
-              <a:ext uri="{FF2B5EF4-FFF2-40B4-BE49-F238E27FC236}">
-                <a16:creationId xmlns:a16="http://schemas.microsoft.com/office/drawing/2014/main" id="{AC354A36-DFEA-89F7-D6AA-0CAE9432F2A0}"/>
-              </a:ext>
-            </a:extLst>
-          </p:cNvPr>
+          <p:cNvPr id="2" name="Title 1"/>
           <p:cNvSpPr>
             <a:spLocks noGrp="1"/>
           </p:cNvSpPr>
@@ -988,18 +854,13 @@
               <a:rPr lang="en-US"/>
               <a:t>Click to edit Master title style</a:t>
             </a:r>
-          </a:p>
-        </p:txBody>
-      </p:sp>
-      <p:sp>
-        <p:nvSpPr>
-          <p:cNvPr id="3" name="Text Placeholder 2">
-            <a:extLst>
-              <a:ext uri="{FF2B5EF4-FFF2-40B4-BE49-F238E27FC236}">
-                <a16:creationId xmlns:a16="http://schemas.microsoft.com/office/drawing/2014/main" id="{CEBDB3BB-19E7-AA7A-829D-7C9B24ABF1CA}"/>
-              </a:ext>
-            </a:extLst>
-          </p:cNvPr>
+            <a:endParaRPr lang="en-US"/>
+          </a:p>
+        </p:txBody>
+      </p:sp>
+      <p:sp>
+        <p:nvSpPr>
+          <p:cNvPr id="3" name="Text Placeholder 2"/>
           <p:cNvSpPr>
             <a:spLocks noGrp="1"/>
           </p:cNvSpPr>
@@ -1113,18 +974,13 @@
               <a:rPr lang="en-US"/>
               <a:t>Click to edit Master text styles</a:t>
             </a:r>
-          </a:p>
-        </p:txBody>
-      </p:sp>
-      <p:sp>
-        <p:nvSpPr>
-          <p:cNvPr id="4" name="Date Placeholder 3">
-            <a:extLst>
-              <a:ext uri="{FF2B5EF4-FFF2-40B4-BE49-F238E27FC236}">
-                <a16:creationId xmlns:a16="http://schemas.microsoft.com/office/drawing/2014/main" id="{0C665A8C-FB66-0947-1308-5A1438532BF7}"/>
-              </a:ext>
-            </a:extLst>
-          </p:cNvPr>
+            <a:endParaRPr lang="en-US"/>
+          </a:p>
+        </p:txBody>
+      </p:sp>
+      <p:sp>
+        <p:nvSpPr>
+          <p:cNvPr id="4" name="Date Placeholder 3"/>
           <p:cNvSpPr>
             <a:spLocks noGrp="1"/>
           </p:cNvSpPr>
@@ -1139,7 +995,6 @@
           <a:p>
             <a:fld id="{7835BC4A-3205-4E2B-B71B-78A7480DA5C2}" type="datetimeFigureOut">
               <a:rPr lang="en-US" smtClean="0"/>
-              <a:t>12/20/23</a:t>
             </a:fld>
             <a:endParaRPr lang="en-US"/>
           </a:p>
@@ -1147,13 +1002,7 @@
       </p:sp>
       <p:sp>
         <p:nvSpPr>
-          <p:cNvPr id="5" name="Footer Placeholder 4">
-            <a:extLst>
-              <a:ext uri="{FF2B5EF4-FFF2-40B4-BE49-F238E27FC236}">
-                <a16:creationId xmlns:a16="http://schemas.microsoft.com/office/drawing/2014/main" id="{4E8ED3C0-AACB-B1DB-C489-B3E1C6838738}"/>
-              </a:ext>
-            </a:extLst>
-          </p:cNvPr>
+          <p:cNvPr id="5" name="Footer Placeholder 4"/>
           <p:cNvSpPr>
             <a:spLocks noGrp="1"/>
           </p:cNvSpPr>
@@ -1172,13 +1021,7 @@
       </p:sp>
       <p:sp>
         <p:nvSpPr>
-          <p:cNvPr id="6" name="Slide Number Placeholder 5">
-            <a:extLst>
-              <a:ext uri="{FF2B5EF4-FFF2-40B4-BE49-F238E27FC236}">
-                <a16:creationId xmlns:a16="http://schemas.microsoft.com/office/drawing/2014/main" id="{254FB1B9-5CC8-E691-0953-3BDAD8CFF6AA}"/>
-              </a:ext>
-            </a:extLst>
-          </p:cNvPr>
+          <p:cNvPr id="6" name="Slide Number Placeholder 5"/>
           <p:cNvSpPr>
             <a:spLocks noGrp="1"/>
           </p:cNvSpPr>
@@ -1193,18 +1036,12 @@
           <a:p>
             <a:fld id="{33254A9E-6A91-4E5B-8A50-A6E17C72237E}" type="slidenum">
               <a:rPr lang="en-US" smtClean="0"/>
-              <a:t>‹#›</a:t>
             </a:fld>
             <a:endParaRPr lang="en-US"/>
           </a:p>
         </p:txBody>
       </p:sp>
     </p:spTree>
-    <p:extLst>
-      <p:ext uri="{BB962C8B-B14F-4D97-AF65-F5344CB8AC3E}">
-        <p14:creationId xmlns:p14="http://schemas.microsoft.com/office/powerpoint/2010/main" val="3141223956"/>
-      </p:ext>
-    </p:extLst>
   </p:cSld>
   <p:clrMapOvr>
     <a:masterClrMapping/>
@@ -1231,13 +1068,7 @@
       </p:grpSpPr>
       <p:sp>
         <p:nvSpPr>
-          <p:cNvPr id="2" name="Title 1">
-            <a:extLst>
-              <a:ext uri="{FF2B5EF4-FFF2-40B4-BE49-F238E27FC236}">
-                <a16:creationId xmlns:a16="http://schemas.microsoft.com/office/drawing/2014/main" id="{E49448D5-4C8A-9E3F-D298-38B321F741D6}"/>
-              </a:ext>
-            </a:extLst>
-          </p:cNvPr>
+          <p:cNvPr id="2" name="Title 1"/>
           <p:cNvSpPr>
             <a:spLocks noGrp="1"/>
           </p:cNvSpPr>
@@ -1254,18 +1085,13 @@
               <a:rPr lang="en-US"/>
               <a:t>Click to edit Master title style</a:t>
             </a:r>
-          </a:p>
-        </p:txBody>
-      </p:sp>
-      <p:sp>
-        <p:nvSpPr>
-          <p:cNvPr id="3" name="Content Placeholder 2">
-            <a:extLst>
-              <a:ext uri="{FF2B5EF4-FFF2-40B4-BE49-F238E27FC236}">
-                <a16:creationId xmlns:a16="http://schemas.microsoft.com/office/drawing/2014/main" id="{C43EB422-2336-0341-2C8E-C41A88336424}"/>
-              </a:ext>
-            </a:extLst>
-          </p:cNvPr>
+            <a:endParaRPr lang="en-US"/>
+          </a:p>
+        </p:txBody>
+      </p:sp>
+      <p:sp>
+        <p:nvSpPr>
+          <p:cNvPr id="3" name="Content Placeholder 2"/>
           <p:cNvSpPr>
             <a:spLocks noGrp="1"/>
           </p:cNvSpPr>
@@ -1288,6 +1114,7 @@
               <a:rPr lang="en-US"/>
               <a:t>Click to edit Master text styles</a:t>
             </a:r>
+            <a:endParaRPr lang="en-US"/>
           </a:p>
           <a:p>
             <a:pPr lvl="1"/>
@@ -1295,6 +1122,7 @@
               <a:rPr lang="en-US"/>
               <a:t>Second level</a:t>
             </a:r>
+            <a:endParaRPr lang="en-US"/>
           </a:p>
           <a:p>
             <a:pPr lvl="2"/>
@@ -1302,6 +1130,7 @@
               <a:rPr lang="en-US"/>
               <a:t>Third level</a:t>
             </a:r>
+            <a:endParaRPr lang="en-US"/>
           </a:p>
           <a:p>
             <a:pPr lvl="3"/>
@@ -1309,6 +1138,7 @@
               <a:rPr lang="en-US"/>
               <a:t>Fourth level</a:t>
             </a:r>
+            <a:endParaRPr lang="en-US"/>
           </a:p>
           <a:p>
             <a:pPr lvl="4"/>
@@ -1316,18 +1146,13 @@
               <a:rPr lang="en-US"/>
               <a:t>Fifth level</a:t>
             </a:r>
-          </a:p>
-        </p:txBody>
-      </p:sp>
-      <p:sp>
-        <p:nvSpPr>
-          <p:cNvPr id="4" name="Content Placeholder 3">
-            <a:extLst>
-              <a:ext uri="{FF2B5EF4-FFF2-40B4-BE49-F238E27FC236}">
-                <a16:creationId xmlns:a16="http://schemas.microsoft.com/office/drawing/2014/main" id="{54C708A5-E321-1968-11D3-C628DC761378}"/>
-              </a:ext>
-            </a:extLst>
-          </p:cNvPr>
+            <a:endParaRPr lang="en-US"/>
+          </a:p>
+        </p:txBody>
+      </p:sp>
+      <p:sp>
+        <p:nvSpPr>
+          <p:cNvPr id="4" name="Content Placeholder 3"/>
           <p:cNvSpPr>
             <a:spLocks noGrp="1"/>
           </p:cNvSpPr>
@@ -1350,6 +1175,7 @@
               <a:rPr lang="en-US"/>
               <a:t>Click to edit Master text styles</a:t>
             </a:r>
+            <a:endParaRPr lang="en-US"/>
           </a:p>
           <a:p>
             <a:pPr lvl="1"/>
@@ -1357,6 +1183,7 @@
               <a:rPr lang="en-US"/>
               <a:t>Second level</a:t>
             </a:r>
+            <a:endParaRPr lang="en-US"/>
           </a:p>
           <a:p>
             <a:pPr lvl="2"/>
@@ -1364,6 +1191,7 @@
               <a:rPr lang="en-US"/>
               <a:t>Third level</a:t>
             </a:r>
+            <a:endParaRPr lang="en-US"/>
           </a:p>
           <a:p>
             <a:pPr lvl="3"/>
@@ -1371,6 +1199,7 @@
               <a:rPr lang="en-US"/>
               <a:t>Fourth level</a:t>
             </a:r>
+            <a:endParaRPr lang="en-US"/>
           </a:p>
           <a:p>
             <a:pPr lvl="4"/>
@@ -1378,18 +1207,13 @@
               <a:rPr lang="en-US"/>
               <a:t>Fifth level</a:t>
             </a:r>
-          </a:p>
-        </p:txBody>
-      </p:sp>
-      <p:sp>
-        <p:nvSpPr>
-          <p:cNvPr id="5" name="Date Placeholder 4">
-            <a:extLst>
-              <a:ext uri="{FF2B5EF4-FFF2-40B4-BE49-F238E27FC236}">
-                <a16:creationId xmlns:a16="http://schemas.microsoft.com/office/drawing/2014/main" id="{7B8F0DB5-79D4-2566-81B6-01D1966715E4}"/>
-              </a:ext>
-            </a:extLst>
-          </p:cNvPr>
+            <a:endParaRPr lang="en-US"/>
+          </a:p>
+        </p:txBody>
+      </p:sp>
+      <p:sp>
+        <p:nvSpPr>
+          <p:cNvPr id="5" name="Date Placeholder 4"/>
           <p:cNvSpPr>
             <a:spLocks noGrp="1"/>
           </p:cNvSpPr>
@@ -1404,7 +1228,6 @@
           <a:p>
             <a:fld id="{7835BC4A-3205-4E2B-B71B-78A7480DA5C2}" type="datetimeFigureOut">
               <a:rPr lang="en-US" smtClean="0"/>
-              <a:t>12/20/23</a:t>
             </a:fld>
             <a:endParaRPr lang="en-US"/>
           </a:p>
@@ -1412,13 +1235,7 @@
       </p:sp>
       <p:sp>
         <p:nvSpPr>
-          <p:cNvPr id="6" name="Footer Placeholder 5">
-            <a:extLst>
-              <a:ext uri="{FF2B5EF4-FFF2-40B4-BE49-F238E27FC236}">
-                <a16:creationId xmlns:a16="http://schemas.microsoft.com/office/drawing/2014/main" id="{D5CD8548-947C-057E-AB4C-2011EA35A831}"/>
-              </a:ext>
-            </a:extLst>
-          </p:cNvPr>
+          <p:cNvPr id="6" name="Footer Placeholder 5"/>
           <p:cNvSpPr>
             <a:spLocks noGrp="1"/>
           </p:cNvSpPr>
@@ -1437,13 +1254,7 @@
       </p:sp>
       <p:sp>
         <p:nvSpPr>
-          <p:cNvPr id="7" name="Slide Number Placeholder 6">
-            <a:extLst>
-              <a:ext uri="{FF2B5EF4-FFF2-40B4-BE49-F238E27FC236}">
-                <a16:creationId xmlns:a16="http://schemas.microsoft.com/office/drawing/2014/main" id="{C39F18DF-CBC4-0BDF-EE76-B8C27040551B}"/>
-              </a:ext>
-            </a:extLst>
-          </p:cNvPr>
+          <p:cNvPr id="7" name="Slide Number Placeholder 6"/>
           <p:cNvSpPr>
             <a:spLocks noGrp="1"/>
           </p:cNvSpPr>
@@ -1458,18 +1269,12 @@
           <a:p>
             <a:fld id="{33254A9E-6A91-4E5B-8A50-A6E17C72237E}" type="slidenum">
               <a:rPr lang="en-US" smtClean="0"/>
-              <a:t>‹#›</a:t>
             </a:fld>
             <a:endParaRPr lang="en-US"/>
           </a:p>
         </p:txBody>
       </p:sp>
     </p:spTree>
-    <p:extLst>
-      <p:ext uri="{BB962C8B-B14F-4D97-AF65-F5344CB8AC3E}">
-        <p14:creationId xmlns:p14="http://schemas.microsoft.com/office/powerpoint/2010/main" val="1666134756"/>
-      </p:ext>
-    </p:extLst>
   </p:cSld>
   <p:clrMapOvr>
     <a:masterClrMapping/>
@@ -1496,13 +1301,7 @@
       </p:grpSpPr>
       <p:sp>
         <p:nvSpPr>
-          <p:cNvPr id="2" name="Title 1">
-            <a:extLst>
-              <a:ext uri="{FF2B5EF4-FFF2-40B4-BE49-F238E27FC236}">
-                <a16:creationId xmlns:a16="http://schemas.microsoft.com/office/drawing/2014/main" id="{68F89061-2539-691C-CDA6-B70A44A203A5}"/>
-              </a:ext>
-            </a:extLst>
-          </p:cNvPr>
+          <p:cNvPr id="2" name="Title 1"/>
           <p:cNvSpPr>
             <a:spLocks noGrp="1"/>
           </p:cNvSpPr>
@@ -1524,18 +1323,13 @@
               <a:rPr lang="en-US"/>
               <a:t>Click to edit Master title style</a:t>
             </a:r>
-          </a:p>
-        </p:txBody>
-      </p:sp>
-      <p:sp>
-        <p:nvSpPr>
-          <p:cNvPr id="3" name="Text Placeholder 2">
-            <a:extLst>
-              <a:ext uri="{FF2B5EF4-FFF2-40B4-BE49-F238E27FC236}">
-                <a16:creationId xmlns:a16="http://schemas.microsoft.com/office/drawing/2014/main" id="{228A5C45-E892-4FBE-CD45-3C2BA666EEA9}"/>
-              </a:ext>
-            </a:extLst>
-          </p:cNvPr>
+            <a:endParaRPr lang="en-US"/>
+          </a:p>
+        </p:txBody>
+      </p:sp>
+      <p:sp>
+        <p:nvSpPr>
+          <p:cNvPr id="3" name="Text Placeholder 2"/>
           <p:cNvSpPr>
             <a:spLocks noGrp="1"/>
           </p:cNvSpPr>
@@ -1595,18 +1389,13 @@
               <a:rPr lang="en-US"/>
               <a:t>Click to edit Master text styles</a:t>
             </a:r>
-          </a:p>
-        </p:txBody>
-      </p:sp>
-      <p:sp>
-        <p:nvSpPr>
-          <p:cNvPr id="4" name="Content Placeholder 3">
-            <a:extLst>
-              <a:ext uri="{FF2B5EF4-FFF2-40B4-BE49-F238E27FC236}">
-                <a16:creationId xmlns:a16="http://schemas.microsoft.com/office/drawing/2014/main" id="{A620F295-A482-CD4B-A796-D5818B8F85BC}"/>
-              </a:ext>
-            </a:extLst>
-          </p:cNvPr>
+            <a:endParaRPr lang="en-US"/>
+          </a:p>
+        </p:txBody>
+      </p:sp>
+      <p:sp>
+        <p:nvSpPr>
+          <p:cNvPr id="4" name="Content Placeholder 3"/>
           <p:cNvSpPr>
             <a:spLocks noGrp="1"/>
           </p:cNvSpPr>
@@ -1629,6 +1418,7 @@
               <a:rPr lang="en-US"/>
               <a:t>Click to edit Master text styles</a:t>
             </a:r>
+            <a:endParaRPr lang="en-US"/>
           </a:p>
           <a:p>
             <a:pPr lvl="1"/>
@@ -1636,6 +1426,7 @@
               <a:rPr lang="en-US"/>
               <a:t>Second level</a:t>
             </a:r>
+            <a:endParaRPr lang="en-US"/>
           </a:p>
           <a:p>
             <a:pPr lvl="2"/>
@@ -1643,6 +1434,7 @@
               <a:rPr lang="en-US"/>
               <a:t>Third level</a:t>
             </a:r>
+            <a:endParaRPr lang="en-US"/>
           </a:p>
           <a:p>
             <a:pPr lvl="3"/>
@@ -1650,6 +1442,7 @@
               <a:rPr lang="en-US"/>
               <a:t>Fourth level</a:t>
             </a:r>
+            <a:endParaRPr lang="en-US"/>
           </a:p>
           <a:p>
             <a:pPr lvl="4"/>
@@ -1657,18 +1450,13 @@
               <a:rPr lang="en-US"/>
               <a:t>Fifth level</a:t>
             </a:r>
-          </a:p>
-        </p:txBody>
-      </p:sp>
-      <p:sp>
-        <p:nvSpPr>
-          <p:cNvPr id="5" name="Text Placeholder 4">
-            <a:extLst>
-              <a:ext uri="{FF2B5EF4-FFF2-40B4-BE49-F238E27FC236}">
-                <a16:creationId xmlns:a16="http://schemas.microsoft.com/office/drawing/2014/main" id="{F5B7537B-CDF3-EB21-B7CD-29F6CB005B42}"/>
-              </a:ext>
-            </a:extLst>
-          </p:cNvPr>
+            <a:endParaRPr lang="en-US"/>
+          </a:p>
+        </p:txBody>
+      </p:sp>
+      <p:sp>
+        <p:nvSpPr>
+          <p:cNvPr id="5" name="Text Placeholder 4"/>
           <p:cNvSpPr>
             <a:spLocks noGrp="1"/>
           </p:cNvSpPr>
@@ -1728,18 +1516,13 @@
               <a:rPr lang="en-US"/>
               <a:t>Click to edit Master text styles</a:t>
             </a:r>
-          </a:p>
-        </p:txBody>
-      </p:sp>
-      <p:sp>
-        <p:nvSpPr>
-          <p:cNvPr id="6" name="Content Placeholder 5">
-            <a:extLst>
-              <a:ext uri="{FF2B5EF4-FFF2-40B4-BE49-F238E27FC236}">
-                <a16:creationId xmlns:a16="http://schemas.microsoft.com/office/drawing/2014/main" id="{83331316-910B-CC99-9934-B9B6AB0701A8}"/>
-              </a:ext>
-            </a:extLst>
-          </p:cNvPr>
+            <a:endParaRPr lang="en-US"/>
+          </a:p>
+        </p:txBody>
+      </p:sp>
+      <p:sp>
+        <p:nvSpPr>
+          <p:cNvPr id="6" name="Content Placeholder 5"/>
           <p:cNvSpPr>
             <a:spLocks noGrp="1"/>
           </p:cNvSpPr>
@@ -1762,6 +1545,7 @@
               <a:rPr lang="en-US"/>
               <a:t>Click to edit Master text styles</a:t>
             </a:r>
+            <a:endParaRPr lang="en-US"/>
           </a:p>
           <a:p>
             <a:pPr lvl="1"/>
@@ -1769,6 +1553,7 @@
               <a:rPr lang="en-US"/>
               <a:t>Second level</a:t>
             </a:r>
+            <a:endParaRPr lang="en-US"/>
           </a:p>
           <a:p>
             <a:pPr lvl="2"/>
@@ -1776,6 +1561,7 @@
               <a:rPr lang="en-US"/>
               <a:t>Third level</a:t>
             </a:r>
+            <a:endParaRPr lang="en-US"/>
           </a:p>
           <a:p>
             <a:pPr lvl="3"/>
@@ -1783,6 +1569,7 @@
               <a:rPr lang="en-US"/>
               <a:t>Fourth level</a:t>
             </a:r>
+            <a:endParaRPr lang="en-US"/>
           </a:p>
           <a:p>
             <a:pPr lvl="4"/>
@@ -1790,18 +1577,13 @@
               <a:rPr lang="en-US"/>
               <a:t>Fifth level</a:t>
             </a:r>
-          </a:p>
-        </p:txBody>
-      </p:sp>
-      <p:sp>
-        <p:nvSpPr>
-          <p:cNvPr id="7" name="Date Placeholder 6">
-            <a:extLst>
-              <a:ext uri="{FF2B5EF4-FFF2-40B4-BE49-F238E27FC236}">
-                <a16:creationId xmlns:a16="http://schemas.microsoft.com/office/drawing/2014/main" id="{EEDB1D6D-0EE6-0607-CF72-64FF9A5ECC8F}"/>
-              </a:ext>
-            </a:extLst>
-          </p:cNvPr>
+            <a:endParaRPr lang="en-US"/>
+          </a:p>
+        </p:txBody>
+      </p:sp>
+      <p:sp>
+        <p:nvSpPr>
+          <p:cNvPr id="7" name="Date Placeholder 6"/>
           <p:cNvSpPr>
             <a:spLocks noGrp="1"/>
           </p:cNvSpPr>
@@ -1816,7 +1598,6 @@
           <a:p>
             <a:fld id="{7835BC4A-3205-4E2B-B71B-78A7480DA5C2}" type="datetimeFigureOut">
               <a:rPr lang="en-US" smtClean="0"/>
-              <a:t>12/20/23</a:t>
             </a:fld>
             <a:endParaRPr lang="en-US"/>
           </a:p>
@@ -1824,13 +1605,7 @@
       </p:sp>
       <p:sp>
         <p:nvSpPr>
-          <p:cNvPr id="8" name="Footer Placeholder 7">
-            <a:extLst>
-              <a:ext uri="{FF2B5EF4-FFF2-40B4-BE49-F238E27FC236}">
-                <a16:creationId xmlns:a16="http://schemas.microsoft.com/office/drawing/2014/main" id="{910C3706-BC57-B6DC-02CC-98E947F2E231}"/>
-              </a:ext>
-            </a:extLst>
-          </p:cNvPr>
+          <p:cNvPr id="8" name="Footer Placeholder 7"/>
           <p:cNvSpPr>
             <a:spLocks noGrp="1"/>
           </p:cNvSpPr>
@@ -1849,13 +1624,7 @@
       </p:sp>
       <p:sp>
         <p:nvSpPr>
-          <p:cNvPr id="9" name="Slide Number Placeholder 8">
-            <a:extLst>
-              <a:ext uri="{FF2B5EF4-FFF2-40B4-BE49-F238E27FC236}">
-                <a16:creationId xmlns:a16="http://schemas.microsoft.com/office/drawing/2014/main" id="{68A9D56A-984D-B854-9CDF-1D6DC6D84275}"/>
-              </a:ext>
-            </a:extLst>
-          </p:cNvPr>
+          <p:cNvPr id="9" name="Slide Number Placeholder 8"/>
           <p:cNvSpPr>
             <a:spLocks noGrp="1"/>
           </p:cNvSpPr>
@@ -1870,18 +1639,12 @@
           <a:p>
             <a:fld id="{33254A9E-6A91-4E5B-8A50-A6E17C72237E}" type="slidenum">
               <a:rPr lang="en-US" smtClean="0"/>
-              <a:t>‹#›</a:t>
             </a:fld>
             <a:endParaRPr lang="en-US"/>
           </a:p>
         </p:txBody>
       </p:sp>
     </p:spTree>
-    <p:extLst>
-      <p:ext uri="{BB962C8B-B14F-4D97-AF65-F5344CB8AC3E}">
-        <p14:creationId xmlns:p14="http://schemas.microsoft.com/office/powerpoint/2010/main" val="2701837583"/>
-      </p:ext>
-    </p:extLst>
   </p:cSld>
   <p:clrMapOvr>
     <a:masterClrMapping/>
@@ -1908,13 +1671,7 @@
       </p:grpSpPr>
       <p:sp>
         <p:nvSpPr>
-          <p:cNvPr id="2" name="Title 1">
-            <a:extLst>
-              <a:ext uri="{FF2B5EF4-FFF2-40B4-BE49-F238E27FC236}">
-                <a16:creationId xmlns:a16="http://schemas.microsoft.com/office/drawing/2014/main" id="{830DE5BE-A647-50BE-4CB2-643766A2F48C}"/>
-              </a:ext>
-            </a:extLst>
-          </p:cNvPr>
+          <p:cNvPr id="2" name="Title 1"/>
           <p:cNvSpPr>
             <a:spLocks noGrp="1"/>
           </p:cNvSpPr>
@@ -1931,18 +1688,13 @@
               <a:rPr lang="en-US"/>
               <a:t>Click to edit Master title style</a:t>
             </a:r>
-          </a:p>
-        </p:txBody>
-      </p:sp>
-      <p:sp>
-        <p:nvSpPr>
-          <p:cNvPr id="3" name="Date Placeholder 2">
-            <a:extLst>
-              <a:ext uri="{FF2B5EF4-FFF2-40B4-BE49-F238E27FC236}">
-                <a16:creationId xmlns:a16="http://schemas.microsoft.com/office/drawing/2014/main" id="{343FE8E6-762F-9654-A762-CA889E2B62D1}"/>
-              </a:ext>
-            </a:extLst>
-          </p:cNvPr>
+            <a:endParaRPr lang="en-US"/>
+          </a:p>
+        </p:txBody>
+      </p:sp>
+      <p:sp>
+        <p:nvSpPr>
+          <p:cNvPr id="3" name="Date Placeholder 2"/>
           <p:cNvSpPr>
             <a:spLocks noGrp="1"/>
           </p:cNvSpPr>
@@ -1957,7 +1709,6 @@
           <a:p>
             <a:fld id="{7835BC4A-3205-4E2B-B71B-78A7480DA5C2}" type="datetimeFigureOut">
               <a:rPr lang="en-US" smtClean="0"/>
-              <a:t>12/20/23</a:t>
             </a:fld>
             <a:endParaRPr lang="en-US"/>
           </a:p>
@@ -1965,13 +1716,7 @@
       </p:sp>
       <p:sp>
         <p:nvSpPr>
-          <p:cNvPr id="4" name="Footer Placeholder 3">
-            <a:extLst>
-              <a:ext uri="{FF2B5EF4-FFF2-40B4-BE49-F238E27FC236}">
-                <a16:creationId xmlns:a16="http://schemas.microsoft.com/office/drawing/2014/main" id="{0600B06F-25B8-DA46-B7EB-0D8C210222A3}"/>
-              </a:ext>
-            </a:extLst>
-          </p:cNvPr>
+          <p:cNvPr id="4" name="Footer Placeholder 3"/>
           <p:cNvSpPr>
             <a:spLocks noGrp="1"/>
           </p:cNvSpPr>
@@ -1990,13 +1735,7 @@
       </p:sp>
       <p:sp>
         <p:nvSpPr>
-          <p:cNvPr id="5" name="Slide Number Placeholder 4">
-            <a:extLst>
-              <a:ext uri="{FF2B5EF4-FFF2-40B4-BE49-F238E27FC236}">
-                <a16:creationId xmlns:a16="http://schemas.microsoft.com/office/drawing/2014/main" id="{5DACCC55-157C-99D0-C27B-E5630028225E}"/>
-              </a:ext>
-            </a:extLst>
-          </p:cNvPr>
+          <p:cNvPr id="5" name="Slide Number Placeholder 4"/>
           <p:cNvSpPr>
             <a:spLocks noGrp="1"/>
           </p:cNvSpPr>
@@ -2011,18 +1750,12 @@
           <a:p>
             <a:fld id="{33254A9E-6A91-4E5B-8A50-A6E17C72237E}" type="slidenum">
               <a:rPr lang="en-US" smtClean="0"/>
-              <a:t>‹#›</a:t>
             </a:fld>
             <a:endParaRPr lang="en-US"/>
           </a:p>
         </p:txBody>
       </p:sp>
     </p:spTree>
-    <p:extLst>
-      <p:ext uri="{BB962C8B-B14F-4D97-AF65-F5344CB8AC3E}">
-        <p14:creationId xmlns:p14="http://schemas.microsoft.com/office/powerpoint/2010/main" val="4034956678"/>
-      </p:ext>
-    </p:extLst>
   </p:cSld>
   <p:clrMapOvr>
     <a:masterClrMapping/>
@@ -2049,13 +1782,7 @@
       </p:grpSpPr>
       <p:sp>
         <p:nvSpPr>
-          <p:cNvPr id="2" name="Date Placeholder 1">
-            <a:extLst>
-              <a:ext uri="{FF2B5EF4-FFF2-40B4-BE49-F238E27FC236}">
-                <a16:creationId xmlns:a16="http://schemas.microsoft.com/office/drawing/2014/main" id="{09EC3E57-297A-9523-96F0-3A16FA370490}"/>
-              </a:ext>
-            </a:extLst>
-          </p:cNvPr>
+          <p:cNvPr id="2" name="Date Placeholder 1"/>
           <p:cNvSpPr>
             <a:spLocks noGrp="1"/>
           </p:cNvSpPr>
@@ -2070,7 +1797,6 @@
           <a:p>
             <a:fld id="{7835BC4A-3205-4E2B-B71B-78A7480DA5C2}" type="datetimeFigureOut">
               <a:rPr lang="en-US" smtClean="0"/>
-              <a:t>12/20/23</a:t>
             </a:fld>
             <a:endParaRPr lang="en-US"/>
           </a:p>
@@ -2078,13 +1804,7 @@
       </p:sp>
       <p:sp>
         <p:nvSpPr>
-          <p:cNvPr id="3" name="Footer Placeholder 2">
-            <a:extLst>
-              <a:ext uri="{FF2B5EF4-FFF2-40B4-BE49-F238E27FC236}">
-                <a16:creationId xmlns:a16="http://schemas.microsoft.com/office/drawing/2014/main" id="{679E828B-92E6-7BF4-8250-EBC453EFC82D}"/>
-              </a:ext>
-            </a:extLst>
-          </p:cNvPr>
+          <p:cNvPr id="3" name="Footer Placeholder 2"/>
           <p:cNvSpPr>
             <a:spLocks noGrp="1"/>
           </p:cNvSpPr>
@@ -2103,13 +1823,7 @@
       </p:sp>
       <p:sp>
         <p:nvSpPr>
-          <p:cNvPr id="4" name="Slide Number Placeholder 3">
-            <a:extLst>
-              <a:ext uri="{FF2B5EF4-FFF2-40B4-BE49-F238E27FC236}">
-                <a16:creationId xmlns:a16="http://schemas.microsoft.com/office/drawing/2014/main" id="{62286973-ECB9-58D6-AF7D-5BDCA73E4369}"/>
-              </a:ext>
-            </a:extLst>
-          </p:cNvPr>
+          <p:cNvPr id="4" name="Slide Number Placeholder 3"/>
           <p:cNvSpPr>
             <a:spLocks noGrp="1"/>
           </p:cNvSpPr>
@@ -2124,18 +1838,12 @@
           <a:p>
             <a:fld id="{33254A9E-6A91-4E5B-8A50-A6E17C72237E}" type="slidenum">
               <a:rPr lang="en-US" smtClean="0"/>
-              <a:t>‹#›</a:t>
             </a:fld>
             <a:endParaRPr lang="en-US"/>
           </a:p>
         </p:txBody>
       </p:sp>
     </p:spTree>
-    <p:extLst>
-      <p:ext uri="{BB962C8B-B14F-4D97-AF65-F5344CB8AC3E}">
-        <p14:creationId xmlns:p14="http://schemas.microsoft.com/office/powerpoint/2010/main" val="2739740181"/>
-      </p:ext>
-    </p:extLst>
   </p:cSld>
   <p:clrMapOvr>
     <a:masterClrMapping/>
@@ -2162,13 +1870,7 @@
       </p:grpSpPr>
       <p:sp>
         <p:nvSpPr>
-          <p:cNvPr id="2" name="Title 1">
-            <a:extLst>
-              <a:ext uri="{FF2B5EF4-FFF2-40B4-BE49-F238E27FC236}">
-                <a16:creationId xmlns:a16="http://schemas.microsoft.com/office/drawing/2014/main" id="{DED0FCCB-7751-9770-1C90-304480BCB9F5}"/>
-              </a:ext>
-            </a:extLst>
-          </p:cNvPr>
+          <p:cNvPr id="2" name="Title 1"/>
           <p:cNvSpPr>
             <a:spLocks noGrp="1"/>
           </p:cNvSpPr>
@@ -2194,18 +1896,13 @@
               <a:rPr lang="en-US"/>
               <a:t>Click to edit Master title style</a:t>
             </a:r>
-          </a:p>
-        </p:txBody>
-      </p:sp>
-      <p:sp>
-        <p:nvSpPr>
-          <p:cNvPr id="3" name="Content Placeholder 2">
-            <a:extLst>
-              <a:ext uri="{FF2B5EF4-FFF2-40B4-BE49-F238E27FC236}">
-                <a16:creationId xmlns:a16="http://schemas.microsoft.com/office/drawing/2014/main" id="{556D2E24-5F8B-6225-BD08-6A55AB7F66FC}"/>
-              </a:ext>
-            </a:extLst>
-          </p:cNvPr>
+            <a:endParaRPr lang="en-US"/>
+          </a:p>
+        </p:txBody>
+      </p:sp>
+      <p:sp>
+        <p:nvSpPr>
+          <p:cNvPr id="3" name="Content Placeholder 2"/>
           <p:cNvSpPr>
             <a:spLocks noGrp="1"/>
           </p:cNvSpPr>
@@ -2256,6 +1953,7 @@
               <a:rPr lang="en-US"/>
               <a:t>Click to edit Master text styles</a:t>
             </a:r>
+            <a:endParaRPr lang="en-US"/>
           </a:p>
           <a:p>
             <a:pPr lvl="1"/>
@@ -2263,6 +1961,7 @@
               <a:rPr lang="en-US"/>
               <a:t>Second level</a:t>
             </a:r>
+            <a:endParaRPr lang="en-US"/>
           </a:p>
           <a:p>
             <a:pPr lvl="2"/>
@@ -2270,6 +1969,7 @@
               <a:rPr lang="en-US"/>
               <a:t>Third level</a:t>
             </a:r>
+            <a:endParaRPr lang="en-US"/>
           </a:p>
           <a:p>
             <a:pPr lvl="3"/>
@@ -2277,6 +1977,7 @@
               <a:rPr lang="en-US"/>
               <a:t>Fourth level</a:t>
             </a:r>
+            <a:endParaRPr lang="en-US"/>
           </a:p>
           <a:p>
             <a:pPr lvl="4"/>
@@ -2284,18 +1985,13 @@
               <a:rPr lang="en-US"/>
               <a:t>Fifth level</a:t>
             </a:r>
-          </a:p>
-        </p:txBody>
-      </p:sp>
-      <p:sp>
-        <p:nvSpPr>
-          <p:cNvPr id="4" name="Text Placeholder 3">
-            <a:extLst>
-              <a:ext uri="{FF2B5EF4-FFF2-40B4-BE49-F238E27FC236}">
-                <a16:creationId xmlns:a16="http://schemas.microsoft.com/office/drawing/2014/main" id="{B4EEB779-2636-B19D-ECAF-38AD6EF5AEF7}"/>
-              </a:ext>
-            </a:extLst>
-          </p:cNvPr>
+            <a:endParaRPr lang="en-US"/>
+          </a:p>
+        </p:txBody>
+      </p:sp>
+      <p:sp>
+        <p:nvSpPr>
+          <p:cNvPr id="4" name="Text Placeholder 3"/>
           <p:cNvSpPr>
             <a:spLocks noGrp="1"/>
           </p:cNvSpPr>
@@ -2355,18 +2051,13 @@
               <a:rPr lang="en-US"/>
               <a:t>Click to edit Master text styles</a:t>
             </a:r>
-          </a:p>
-        </p:txBody>
-      </p:sp>
-      <p:sp>
-        <p:nvSpPr>
-          <p:cNvPr id="5" name="Date Placeholder 4">
-            <a:extLst>
-              <a:ext uri="{FF2B5EF4-FFF2-40B4-BE49-F238E27FC236}">
-                <a16:creationId xmlns:a16="http://schemas.microsoft.com/office/drawing/2014/main" id="{13E64A32-32DD-6B81-3B5D-0173BCE57356}"/>
-              </a:ext>
-            </a:extLst>
-          </p:cNvPr>
+            <a:endParaRPr lang="en-US"/>
+          </a:p>
+        </p:txBody>
+      </p:sp>
+      <p:sp>
+        <p:nvSpPr>
+          <p:cNvPr id="5" name="Date Placeholder 4"/>
           <p:cNvSpPr>
             <a:spLocks noGrp="1"/>
           </p:cNvSpPr>
@@ -2381,7 +2072,6 @@
           <a:p>
             <a:fld id="{7835BC4A-3205-4E2B-B71B-78A7480DA5C2}" type="datetimeFigureOut">
               <a:rPr lang="en-US" smtClean="0"/>
-              <a:t>12/20/23</a:t>
             </a:fld>
             <a:endParaRPr lang="en-US"/>
           </a:p>
@@ -2389,13 +2079,7 @@
       </p:sp>
       <p:sp>
         <p:nvSpPr>
-          <p:cNvPr id="6" name="Footer Placeholder 5">
-            <a:extLst>
-              <a:ext uri="{FF2B5EF4-FFF2-40B4-BE49-F238E27FC236}">
-                <a16:creationId xmlns:a16="http://schemas.microsoft.com/office/drawing/2014/main" id="{21B158BD-F662-74B0-6954-A53091170C29}"/>
-              </a:ext>
-            </a:extLst>
-          </p:cNvPr>
+          <p:cNvPr id="6" name="Footer Placeholder 5"/>
           <p:cNvSpPr>
             <a:spLocks noGrp="1"/>
           </p:cNvSpPr>
@@ -2414,13 +2098,7 @@
       </p:sp>
       <p:sp>
         <p:nvSpPr>
-          <p:cNvPr id="7" name="Slide Number Placeholder 6">
-            <a:extLst>
-              <a:ext uri="{FF2B5EF4-FFF2-40B4-BE49-F238E27FC236}">
-                <a16:creationId xmlns:a16="http://schemas.microsoft.com/office/drawing/2014/main" id="{6216FD0C-C9AF-3282-0551-A76118FCE4A9}"/>
-              </a:ext>
-            </a:extLst>
-          </p:cNvPr>
+          <p:cNvPr id="7" name="Slide Number Placeholder 6"/>
           <p:cNvSpPr>
             <a:spLocks noGrp="1"/>
           </p:cNvSpPr>
@@ -2435,18 +2113,12 @@
           <a:p>
             <a:fld id="{33254A9E-6A91-4E5B-8A50-A6E17C72237E}" type="slidenum">
               <a:rPr lang="en-US" smtClean="0"/>
-              <a:t>‹#›</a:t>
             </a:fld>
             <a:endParaRPr lang="en-US"/>
           </a:p>
         </p:txBody>
       </p:sp>
     </p:spTree>
-    <p:extLst>
-      <p:ext uri="{BB962C8B-B14F-4D97-AF65-F5344CB8AC3E}">
-        <p14:creationId xmlns:p14="http://schemas.microsoft.com/office/powerpoint/2010/main" val="352512570"/>
-      </p:ext>
-    </p:extLst>
   </p:cSld>
   <p:clrMapOvr>
     <a:masterClrMapping/>
@@ -2473,13 +2145,7 @@
       </p:grpSpPr>
       <p:sp>
         <p:nvSpPr>
-          <p:cNvPr id="2" name="Title 1">
-            <a:extLst>
-              <a:ext uri="{FF2B5EF4-FFF2-40B4-BE49-F238E27FC236}">
-                <a16:creationId xmlns:a16="http://schemas.microsoft.com/office/drawing/2014/main" id="{EE5457CB-25E1-2618-C0FF-FC2434634E36}"/>
-              </a:ext>
-            </a:extLst>
-          </p:cNvPr>
+          <p:cNvPr id="2" name="Title 1"/>
           <p:cNvSpPr>
             <a:spLocks noGrp="1"/>
           </p:cNvSpPr>
@@ -2505,18 +2171,13 @@
               <a:rPr lang="en-US"/>
               <a:t>Click to edit Master title style</a:t>
             </a:r>
-          </a:p>
-        </p:txBody>
-      </p:sp>
-      <p:sp>
-        <p:nvSpPr>
-          <p:cNvPr id="3" name="Picture Placeholder 2">
-            <a:extLst>
-              <a:ext uri="{FF2B5EF4-FFF2-40B4-BE49-F238E27FC236}">
-                <a16:creationId xmlns:a16="http://schemas.microsoft.com/office/drawing/2014/main" id="{4DA45683-DC15-7E97-4524-1EE3432ED9A0}"/>
-              </a:ext>
-            </a:extLst>
-          </p:cNvPr>
+            <a:endParaRPr lang="en-US"/>
+          </a:p>
+        </p:txBody>
+      </p:sp>
+      <p:sp>
+        <p:nvSpPr>
+          <p:cNvPr id="3" name="Picture Placeholder 2"/>
           <p:cNvSpPr>
             <a:spLocks noGrp="1"/>
           </p:cNvSpPr>
@@ -2577,13 +2238,7 @@
       </p:sp>
       <p:sp>
         <p:nvSpPr>
-          <p:cNvPr id="4" name="Text Placeholder 3">
-            <a:extLst>
-              <a:ext uri="{FF2B5EF4-FFF2-40B4-BE49-F238E27FC236}">
-                <a16:creationId xmlns:a16="http://schemas.microsoft.com/office/drawing/2014/main" id="{6440094F-0C22-F40D-885D-509C35FD1B47}"/>
-              </a:ext>
-            </a:extLst>
-          </p:cNvPr>
+          <p:cNvPr id="4" name="Text Placeholder 3"/>
           <p:cNvSpPr>
             <a:spLocks noGrp="1"/>
           </p:cNvSpPr>
@@ -2643,18 +2298,13 @@
               <a:rPr lang="en-US"/>
               <a:t>Click to edit Master text styles</a:t>
             </a:r>
-          </a:p>
-        </p:txBody>
-      </p:sp>
-      <p:sp>
-        <p:nvSpPr>
-          <p:cNvPr id="5" name="Date Placeholder 4">
-            <a:extLst>
-              <a:ext uri="{FF2B5EF4-FFF2-40B4-BE49-F238E27FC236}">
-                <a16:creationId xmlns:a16="http://schemas.microsoft.com/office/drawing/2014/main" id="{448FC48F-FDF5-BF92-498E-E345ED2A90B6}"/>
-              </a:ext>
-            </a:extLst>
-          </p:cNvPr>
+            <a:endParaRPr lang="en-US"/>
+          </a:p>
+        </p:txBody>
+      </p:sp>
+      <p:sp>
+        <p:nvSpPr>
+          <p:cNvPr id="5" name="Date Placeholder 4"/>
           <p:cNvSpPr>
             <a:spLocks noGrp="1"/>
           </p:cNvSpPr>
@@ -2669,7 +2319,6 @@
           <a:p>
             <a:fld id="{7835BC4A-3205-4E2B-B71B-78A7480DA5C2}" type="datetimeFigureOut">
               <a:rPr lang="en-US" smtClean="0"/>
-              <a:t>12/20/23</a:t>
             </a:fld>
             <a:endParaRPr lang="en-US"/>
           </a:p>
@@ -2677,13 +2326,7 @@
       </p:sp>
       <p:sp>
         <p:nvSpPr>
-          <p:cNvPr id="6" name="Footer Placeholder 5">
-            <a:extLst>
-              <a:ext uri="{FF2B5EF4-FFF2-40B4-BE49-F238E27FC236}">
-                <a16:creationId xmlns:a16="http://schemas.microsoft.com/office/drawing/2014/main" id="{FE5BC490-D637-CC51-983D-F86768B956A7}"/>
-              </a:ext>
-            </a:extLst>
-          </p:cNvPr>
+          <p:cNvPr id="6" name="Footer Placeholder 5"/>
           <p:cNvSpPr>
             <a:spLocks noGrp="1"/>
           </p:cNvSpPr>
@@ -2702,13 +2345,7 @@
       </p:sp>
       <p:sp>
         <p:nvSpPr>
-          <p:cNvPr id="7" name="Slide Number Placeholder 6">
-            <a:extLst>
-              <a:ext uri="{FF2B5EF4-FFF2-40B4-BE49-F238E27FC236}">
-                <a16:creationId xmlns:a16="http://schemas.microsoft.com/office/drawing/2014/main" id="{9A6A1D25-ADDE-D6D3-2BEF-8E482FD406B5}"/>
-              </a:ext>
-            </a:extLst>
-          </p:cNvPr>
+          <p:cNvPr id="7" name="Slide Number Placeholder 6"/>
           <p:cNvSpPr>
             <a:spLocks noGrp="1"/>
           </p:cNvSpPr>
@@ -2723,18 +2360,12 @@
           <a:p>
             <a:fld id="{33254A9E-6A91-4E5B-8A50-A6E17C72237E}" type="slidenum">
               <a:rPr lang="en-US" smtClean="0"/>
-              <a:t>‹#›</a:t>
             </a:fld>
             <a:endParaRPr lang="en-US"/>
           </a:p>
         </p:txBody>
       </p:sp>
     </p:spTree>
-    <p:extLst>
-      <p:ext uri="{BB962C8B-B14F-4D97-AF65-F5344CB8AC3E}">
-        <p14:creationId xmlns:p14="http://schemas.microsoft.com/office/powerpoint/2010/main" val="71630188"/>
-      </p:ext>
-    </p:extLst>
   </p:cSld>
   <p:clrMapOvr>
     <a:masterClrMapping/>
@@ -2766,13 +2397,7 @@
       </p:grpSpPr>
       <p:sp>
         <p:nvSpPr>
-          <p:cNvPr id="2" name="Title Placeholder 1">
-            <a:extLst>
-              <a:ext uri="{FF2B5EF4-FFF2-40B4-BE49-F238E27FC236}">
-                <a16:creationId xmlns:a16="http://schemas.microsoft.com/office/drawing/2014/main" id="{945FCD83-96D4-80FA-C2C3-5D6881BF629E}"/>
-              </a:ext>
-            </a:extLst>
-          </p:cNvPr>
+          <p:cNvPr id="2" name="Title Placeholder 1"/>
           <p:cNvSpPr>
             <a:spLocks noGrp="1"/>
           </p:cNvSpPr>
@@ -2799,18 +2424,13 @@
               <a:rPr lang="en-US"/>
               <a:t>Click to edit Master title style</a:t>
             </a:r>
-          </a:p>
-        </p:txBody>
-      </p:sp>
-      <p:sp>
-        <p:nvSpPr>
-          <p:cNvPr id="3" name="Text Placeholder 2">
-            <a:extLst>
-              <a:ext uri="{FF2B5EF4-FFF2-40B4-BE49-F238E27FC236}">
-                <a16:creationId xmlns:a16="http://schemas.microsoft.com/office/drawing/2014/main" id="{CA1C9B6D-19D7-51FA-7B21-7CFED28A1716}"/>
-              </a:ext>
-            </a:extLst>
-          </p:cNvPr>
+            <a:endParaRPr lang="en-US"/>
+          </a:p>
+        </p:txBody>
+      </p:sp>
+      <p:sp>
+        <p:nvSpPr>
+          <p:cNvPr id="3" name="Text Placeholder 2"/>
           <p:cNvSpPr>
             <a:spLocks noGrp="1"/>
           </p:cNvSpPr>
@@ -2838,6 +2458,7 @@
               <a:rPr lang="en-US"/>
               <a:t>Click to edit Master text styles</a:t>
             </a:r>
+            <a:endParaRPr lang="en-US"/>
           </a:p>
           <a:p>
             <a:pPr lvl="1"/>
@@ -2845,6 +2466,7 @@
               <a:rPr lang="en-US"/>
               <a:t>Second level</a:t>
             </a:r>
+            <a:endParaRPr lang="en-US"/>
           </a:p>
           <a:p>
             <a:pPr lvl="2"/>
@@ -2852,6 +2474,7 @@
               <a:rPr lang="en-US"/>
               <a:t>Third level</a:t>
             </a:r>
+            <a:endParaRPr lang="en-US"/>
           </a:p>
           <a:p>
             <a:pPr lvl="3"/>
@@ -2859,6 +2482,7 @@
               <a:rPr lang="en-US"/>
               <a:t>Fourth level</a:t>
             </a:r>
+            <a:endParaRPr lang="en-US"/>
           </a:p>
           <a:p>
             <a:pPr lvl="4"/>
@@ -2866,18 +2490,13 @@
               <a:rPr lang="en-US"/>
               <a:t>Fifth level</a:t>
             </a:r>
-          </a:p>
-        </p:txBody>
-      </p:sp>
-      <p:sp>
-        <p:nvSpPr>
-          <p:cNvPr id="4" name="Date Placeholder 3">
-            <a:extLst>
-              <a:ext uri="{FF2B5EF4-FFF2-40B4-BE49-F238E27FC236}">
-                <a16:creationId xmlns:a16="http://schemas.microsoft.com/office/drawing/2014/main" id="{A884685F-D22F-1405-68AA-2EAE5862E74F}"/>
-              </a:ext>
-            </a:extLst>
-          </p:cNvPr>
+            <a:endParaRPr lang="en-US"/>
+          </a:p>
+        </p:txBody>
+      </p:sp>
+      <p:sp>
+        <p:nvSpPr>
+          <p:cNvPr id="4" name="Date Placeholder 3"/>
           <p:cNvSpPr>
             <a:spLocks noGrp="1"/>
           </p:cNvSpPr>
@@ -2910,7 +2529,6 @@
           <a:p>
             <a:fld id="{7835BC4A-3205-4E2B-B71B-78A7480DA5C2}" type="datetimeFigureOut">
               <a:rPr lang="en-US" smtClean="0"/>
-              <a:t>12/20/23</a:t>
             </a:fld>
             <a:endParaRPr lang="en-US"/>
           </a:p>
@@ -2918,13 +2536,7 @@
       </p:sp>
       <p:sp>
         <p:nvSpPr>
-          <p:cNvPr id="5" name="Footer Placeholder 4">
-            <a:extLst>
-              <a:ext uri="{FF2B5EF4-FFF2-40B4-BE49-F238E27FC236}">
-                <a16:creationId xmlns:a16="http://schemas.microsoft.com/office/drawing/2014/main" id="{FDABC2F1-1539-ADD2-D313-EAD7FD799309}"/>
-              </a:ext>
-            </a:extLst>
-          </p:cNvPr>
+          <p:cNvPr id="5" name="Footer Placeholder 4"/>
           <p:cNvSpPr>
             <a:spLocks noGrp="1"/>
           </p:cNvSpPr>
@@ -2961,13 +2573,7 @@
       </p:sp>
       <p:sp>
         <p:nvSpPr>
-          <p:cNvPr id="6" name="Slide Number Placeholder 5">
-            <a:extLst>
-              <a:ext uri="{FF2B5EF4-FFF2-40B4-BE49-F238E27FC236}">
-                <a16:creationId xmlns:a16="http://schemas.microsoft.com/office/drawing/2014/main" id="{F9C42D3D-77DA-DD5E-CDFB-31D93FF1078C}"/>
-              </a:ext>
-            </a:extLst>
-          </p:cNvPr>
+          <p:cNvPr id="6" name="Slide Number Placeholder 5"/>
           <p:cNvSpPr>
             <a:spLocks noGrp="1"/>
           </p:cNvSpPr>
@@ -3000,18 +2606,12 @@
           <a:p>
             <a:fld id="{33254A9E-6A91-4E5B-8A50-A6E17C72237E}" type="slidenum">
               <a:rPr lang="en-US" smtClean="0"/>
-              <a:t>‹#›</a:t>
             </a:fld>
             <a:endParaRPr lang="en-US"/>
           </a:p>
         </p:txBody>
       </p:sp>
     </p:spTree>
-    <p:extLst>
-      <p:ext uri="{BB962C8B-B14F-4D97-AF65-F5344CB8AC3E}">
-        <p14:creationId xmlns:p14="http://schemas.microsoft.com/office/powerpoint/2010/main" val="3564654786"/>
-      </p:ext>
-    </p:extLst>
   </p:cSld>
   <p:clrMap bg1="lt1" tx1="dk1" bg2="lt2" tx2="dk2" accent1="accent1" accent2="accent2" accent3="accent3" accent4="accent4" accent5="accent5" accent6="accent6" hlink="hlink" folHlink="folHlink"/>
   <p:sldLayoutIdLst>
@@ -3329,20 +2929,14 @@
       </p:grpSpPr>
       <p:pic>
         <p:nvPicPr>
-          <p:cNvPr id="5" name="Picture 4">
-            <a:extLst>
-              <a:ext uri="{FF2B5EF4-FFF2-40B4-BE49-F238E27FC236}">
-                <a16:creationId xmlns:a16="http://schemas.microsoft.com/office/drawing/2014/main" id="{BDF232D7-5431-8DFB-AA9F-DEACCFB81CE8}"/>
-              </a:ext>
-            </a:extLst>
-          </p:cNvPr>
+          <p:cNvPr id="5" name="Picture 4"/>
           <p:cNvPicPr>
             <a:picLocks noChangeAspect="1"/>
           </p:cNvPicPr>
           <p:nvPr/>
         </p:nvPicPr>
         <p:blipFill>
-          <a:blip r:embed="rId2">
+          <a:blip r:embed="rId1">
             <a:extLst>
               <a:ext uri="{28A0092B-C50C-407E-A947-70E740481C1C}">
                 <a14:useLocalDpi xmlns:a14="http://schemas.microsoft.com/office/drawing/2010/main" val="0"/>
@@ -3365,13 +2959,7 @@
       </p:pic>
       <p:sp>
         <p:nvSpPr>
-          <p:cNvPr id="3" name="Subtitle 2">
-            <a:extLst>
-              <a:ext uri="{FF2B5EF4-FFF2-40B4-BE49-F238E27FC236}">
-                <a16:creationId xmlns:a16="http://schemas.microsoft.com/office/drawing/2014/main" id="{FA8A2573-B1FC-A951-DC53-C8499D6DF505}"/>
-              </a:ext>
-            </a:extLst>
-          </p:cNvPr>
+          <p:cNvPr id="3" name="Subtitle 2"/>
           <p:cNvSpPr>
             <a:spLocks noGrp="1"/>
           </p:cNvSpPr>
@@ -3398,6 +2986,10 @@
               </a:rPr>
               <a:t>LOAN BOOK ANALYSIS</a:t>
             </a:r>
+            <a:endParaRPr lang="en-US" sz="4800" dirty="0">
+              <a:latin typeface="Times New Roman" panose="02020603050405020304" pitchFamily="18" charset="0"/>
+              <a:cs typeface="Times New Roman" panose="02020603050405020304" pitchFamily="18" charset="0"/>
+            </a:endParaRPr>
           </a:p>
           <a:p>
             <a:r>
@@ -3407,6 +2999,10 @@
               </a:rPr>
               <a:t>(Principal Balance)</a:t>
             </a:r>
+            <a:endParaRPr lang="en-US" sz="4800" dirty="0">
+              <a:latin typeface="Times New Roman" panose="02020603050405020304" pitchFamily="18" charset="0"/>
+              <a:cs typeface="Times New Roman" panose="02020603050405020304" pitchFamily="18" charset="0"/>
+            </a:endParaRPr>
           </a:p>
           <a:p>
             <a:endParaRPr lang="en-US" sz="1200" dirty="0">
@@ -3458,15 +3054,14 @@
               </a:rPr>
               <a:t>                                                                                                                                                                               Prepared by Martin Wambugu</a:t>
             </a:r>
+            <a:endParaRPr lang="en-US" sz="1200" dirty="0">
+              <a:latin typeface="Times New Roman" panose="02020603050405020304" pitchFamily="18" charset="0"/>
+              <a:cs typeface="Times New Roman" panose="02020603050405020304" pitchFamily="18" charset="0"/>
+            </a:endParaRPr>
           </a:p>
         </p:txBody>
       </p:sp>
     </p:spTree>
-    <p:extLst>
-      <p:ext uri="{BB962C8B-B14F-4D97-AF65-F5344CB8AC3E}">
-        <p14:creationId xmlns:p14="http://schemas.microsoft.com/office/powerpoint/2010/main" val="3324081992"/>
-      </p:ext>
-    </p:extLst>
   </p:cSld>
   <p:clrMapOvr>
     <a:masterClrMapping/>
@@ -3491,15 +3086,33 @@
           <a:chExt cx="0" cy="0"/>
         </a:xfrm>
       </p:grpSpPr>
-      <p:sp>
-        <p:nvSpPr>
-          <p:cNvPr id="2" name="Title 1">
-            <a:extLst>
-              <a:ext uri="{FF2B5EF4-FFF2-40B4-BE49-F238E27FC236}">
-                <a16:creationId xmlns:a16="http://schemas.microsoft.com/office/drawing/2014/main" id="{C7B63B91-86D7-D79C-78AF-E0B3930FD9B6}"/>
-              </a:ext>
-            </a:extLst>
-          </p:cNvPr>
+      <p:pic>
+        <p:nvPicPr>
+          <p:cNvPr id="3" name="Picture 2" descr="princ"/>
+          <p:cNvPicPr>
+            <a:picLocks noChangeAspect="1"/>
+          </p:cNvPicPr>
+          <p:nvPr/>
+        </p:nvPicPr>
+        <p:blipFill>
+          <a:blip r:embed="rId1"/>
+          <a:stretch>
+            <a:fillRect/>
+          </a:stretch>
+        </p:blipFill>
+        <p:spPr>
+          <a:xfrm>
+            <a:off x="-635" y="0"/>
+            <a:ext cx="12192000" cy="6858000"/>
+          </a:xfrm>
+          <a:prstGeom prst="rect">
+            <a:avLst/>
+          </a:prstGeom>
+        </p:spPr>
+      </p:pic>
+      <p:sp>
+        <p:nvSpPr>
+          <p:cNvPr id="2" name="Title 1"/>
           <p:cNvSpPr>
             <a:spLocks noGrp="1"/>
           </p:cNvSpPr>
@@ -3509,11 +3122,16 @@
         </p:nvSpPr>
         <p:spPr/>
         <p:txBody>
-          <a:bodyPr/>
-          <a:lstStyle/>
-          <a:p>
-            <a:r>
-              <a:rPr lang="en-US" b="1" dirty="0">
+          <a:bodyPr>
+            <a:normAutofit/>
+          </a:bodyPr>
+          <a:lstStyle/>
+          <a:p>
+            <a:pPr marL="0" indent="0">
+              <a:buFont typeface="Arial" panose="020B0604020202020204" pitchFamily="34" charset="0"/>
+            </a:pPr>
+            <a:r>
+              <a:rPr lang="en-US" sz="2800" b="1" dirty="0">
                 <a:effectLst/>
                 <a:latin typeface="Consolas" panose="020B0609020204030204" pitchFamily="49" charset="0"/>
               </a:rPr>
@@ -3528,19 +3146,29 @@
                 <a:latin typeface="Consolas" panose="020B0609020204030204" pitchFamily="49" charset="0"/>
               </a:rPr>
             </a:br>
-            <a:endParaRPr lang="en-US" dirty="0"/>
+            <a:r>
+              <a:rPr lang="en-US" sz="1335" b="0" i="1" dirty="0">
+                <a:solidFill>
+                  <a:schemeClr val="tx1"/>
+                </a:solidFill>
+                <a:effectLst/>
+                <a:latin typeface="Consolas" panose="020B0609020204030204" pitchFamily="49" charset="0"/>
+              </a:rPr>
+              <a:t>To show the trend of principle balances from 2010 to 2023 - the plot indicates that the company has been on an upward trajectory which is a good sign for the company to invest more.</a:t>
+            </a:r>
+            <a:endParaRPr lang="en-US" sz="1335" b="0" i="1" dirty="0">
+              <a:solidFill>
+                <a:schemeClr val="tx1"/>
+              </a:solidFill>
+              <a:effectLst/>
+              <a:latin typeface="Consolas" panose="020B0609020204030204" pitchFamily="49" charset="0"/>
+            </a:endParaRPr>
           </a:p>
         </p:txBody>
       </p:sp>
       <p:pic>
         <p:nvPicPr>
-          <p:cNvPr id="5" name="Content Placeholder 4">
-            <a:extLst>
-              <a:ext uri="{FF2B5EF4-FFF2-40B4-BE49-F238E27FC236}">
-                <a16:creationId xmlns:a16="http://schemas.microsoft.com/office/drawing/2014/main" id="{367BD8F1-6FB5-9049-F68C-C9567605E12F}"/>
-              </a:ext>
-            </a:extLst>
-          </p:cNvPr>
+          <p:cNvPr id="5" name="Content Placeholder 4"/>
           <p:cNvPicPr>
             <a:picLocks noGrp="1" noChangeAspect="1"/>
           </p:cNvPicPr>
@@ -3562,11 +3190,6 @@
         </p:spPr>
       </p:pic>
     </p:spTree>
-    <p:extLst>
-      <p:ext uri="{BB962C8B-B14F-4D97-AF65-F5344CB8AC3E}">
-        <p14:creationId xmlns:p14="http://schemas.microsoft.com/office/powerpoint/2010/main" val="2834763775"/>
-      </p:ext>
-    </p:extLst>
   </p:cSld>
   <p:clrMapOvr>
     <a:masterClrMapping/>
@@ -3593,13 +3216,7 @@
       </p:grpSpPr>
       <p:sp>
         <p:nvSpPr>
-          <p:cNvPr id="2" name="Title 1">
-            <a:extLst>
-              <a:ext uri="{FF2B5EF4-FFF2-40B4-BE49-F238E27FC236}">
-                <a16:creationId xmlns:a16="http://schemas.microsoft.com/office/drawing/2014/main" id="{0D298BBE-18B4-1507-F44D-041E975136AA}"/>
-              </a:ext>
-            </a:extLst>
-          </p:cNvPr>
+          <p:cNvPr id="2" name="Title 1"/>
           <p:cNvSpPr>
             <a:spLocks noGrp="1"/>
           </p:cNvSpPr>
@@ -3645,6 +3262,13 @@
                 <a:latin typeface="Consolas" panose="020B0609020204030204" pitchFamily="49" charset="0"/>
               </a:rPr>
             </a:br>
+            <a:r>
+              <a:rPr lang="en-US" sz="1400" b="1" dirty="0">
+                <a:effectLst/>
+                <a:latin typeface="Consolas" panose="020B0609020204030204" pitchFamily="49" charset="0"/>
+              </a:rPr>
+              <a:t>The company has several products and from the plot CSL is the one leading with the highest followed by LBF, The Bank should focus more boosting the rest of the products so that there can be a balance in event of a future unforeseen economic downtime.</a:t>
+            </a:r>
             <a:br>
               <a:rPr lang="en-US" b="0" dirty="0">
                 <a:solidFill>
@@ -3660,13 +3284,7 @@
       </p:sp>
       <p:pic>
         <p:nvPicPr>
-          <p:cNvPr id="5" name="Content Placeholder 4">
-            <a:extLst>
-              <a:ext uri="{FF2B5EF4-FFF2-40B4-BE49-F238E27FC236}">
-                <a16:creationId xmlns:a16="http://schemas.microsoft.com/office/drawing/2014/main" id="{BBE81677-97F2-DF91-A2BF-0B7E95FF33C0}"/>
-              </a:ext>
-            </a:extLst>
-          </p:cNvPr>
+          <p:cNvPr id="5" name="Content Placeholder 4"/>
           <p:cNvPicPr>
             <a:picLocks noGrp="1" noChangeAspect="1"/>
           </p:cNvPicPr>
@@ -3675,24 +3293,19 @@
           </p:nvPr>
         </p:nvPicPr>
         <p:blipFill>
-          <a:blip r:embed="rId2"/>
+          <a:blip r:embed="rId1"/>
           <a:stretch>
             <a:fillRect/>
           </a:stretch>
         </p:blipFill>
         <p:spPr>
           <a:xfrm>
-            <a:off x="528320" y="1188720"/>
-            <a:ext cx="11277599" cy="5506720"/>
+            <a:off x="528320" y="1849120"/>
+            <a:ext cx="11277600" cy="4846320"/>
           </a:xfrm>
         </p:spPr>
       </p:pic>
     </p:spTree>
-    <p:extLst>
-      <p:ext uri="{BB962C8B-B14F-4D97-AF65-F5344CB8AC3E}">
-        <p14:creationId xmlns:p14="http://schemas.microsoft.com/office/powerpoint/2010/main" val="2977445344"/>
-      </p:ext>
-    </p:extLst>
   </p:cSld>
   <p:clrMapOvr>
     <a:masterClrMapping/>
@@ -3719,13 +3332,7 @@
       </p:grpSpPr>
       <p:sp>
         <p:nvSpPr>
-          <p:cNvPr id="2" name="Title 1">
-            <a:extLst>
-              <a:ext uri="{FF2B5EF4-FFF2-40B4-BE49-F238E27FC236}">
-                <a16:creationId xmlns:a16="http://schemas.microsoft.com/office/drawing/2014/main" id="{75F28B83-EF5A-A1E5-E01C-8C86C1816222}"/>
-              </a:ext>
-            </a:extLst>
-          </p:cNvPr>
+          <p:cNvPr id="2" name="Title 1"/>
           <p:cNvSpPr>
             <a:spLocks noGrp="1"/>
           </p:cNvSpPr>
@@ -3740,35 +3347,63 @@
           </a:bodyPr>
           <a:lstStyle/>
           <a:p>
-            <a:r>
-              <a:rPr lang="en-US" sz="3100" b="1" dirty="0">
+            <a:pPr algn="l">
+              <a:buClrTx/>
+              <a:buSzTx/>
+              <a:buFontTx/>
+            </a:pPr>
+            <a:r>
+              <a:rPr lang="en-US" sz="2800" dirty="0">
+                <a:solidFill>
+                  <a:schemeClr val="tx1"/>
+                </a:solidFill>
                 <a:effectLst/>
                 <a:latin typeface="Consolas" panose="020B0609020204030204" pitchFamily="49" charset="0"/>
               </a:rPr>
               <a:t>#Pricipal Balance per the collection Officer</a:t>
             </a:r>
             <a:br>
-              <a:rPr lang="en-US" b="0" dirty="0">
+              <a:rPr lang="en-US" sz="3100" b="0" dirty="0">
                 <a:solidFill>
-                  <a:srgbClr val="FFFFFF"/>
+                  <a:srgbClr val="7CA668"/>
                 </a:solidFill>
                 <a:effectLst/>
                 <a:latin typeface="Consolas" panose="020B0609020204030204" pitchFamily="49" charset="0"/>
               </a:rPr>
             </a:br>
-            <a:endParaRPr lang="en-US" dirty="0"/>
+            <a:r>
+              <a:rPr lang="en-US" sz="1200" b="0" dirty="0">
+                <a:solidFill>
+                  <a:schemeClr val="tx1"/>
+                </a:solidFill>
+                <a:effectLst/>
+                <a:latin typeface="Consolas" panose="020B0609020204030204" pitchFamily="49" charset="0"/>
+              </a:rPr>
+              <a:t>The bank has several officer responsible for conducting collection, each officer is allocated a portfolio and from the below it shows that some are doing poorly in book retention. They should summoned to identify where the challenge is so that they can be given the necessary support inorder for them to catch up with the rest.</a:t>
+            </a:r>
+            <a:r>
+              <a:rPr lang="en-US" sz="1200" b="0" dirty="0">
+                <a:solidFill>
+                  <a:srgbClr val="7CA668"/>
+                </a:solidFill>
+                <a:effectLst/>
+                <a:latin typeface="Consolas" panose="020B0609020204030204" pitchFamily="49" charset="0"/>
+              </a:rPr>
+              <a:t> </a:t>
+            </a:r>
+            <a:endParaRPr lang="en-US" sz="1200" dirty="0">
+              <a:solidFill>
+                <a:srgbClr val="7CA668"/>
+              </a:solidFill>
+              <a:effectLst/>
+              <a:latin typeface="Consolas" panose="020B0609020204030204" pitchFamily="49" charset="0"/>
+            </a:endParaRPr>
           </a:p>
         </p:txBody>
       </p:sp>
       <p:pic>
         <p:nvPicPr>
-          <p:cNvPr id="5" name="Content Placeholder 4">
-            <a:extLst>
-              <a:ext uri="{FF2B5EF4-FFF2-40B4-BE49-F238E27FC236}">
-                <a16:creationId xmlns:a16="http://schemas.microsoft.com/office/drawing/2014/main" id="{D20ECB55-0DDF-B350-B88C-DD3D5370F0B1}"/>
-              </a:ext>
-            </a:extLst>
-          </p:cNvPr>
+          <p:cNvPr id="5" name="Content Placeholder 4"/>
           <p:cNvPicPr>
             <a:picLocks noGrp="1" noChangeAspect="1"/>
           </p:cNvPicPr>
@@ -3777,24 +3412,19 @@
           </p:nvPr>
         </p:nvPicPr>
         <p:blipFill>
-          <a:blip r:embed="rId2"/>
+          <a:blip r:embed="rId1"/>
           <a:stretch>
             <a:fillRect/>
           </a:stretch>
         </p:blipFill>
         <p:spPr>
           <a:xfrm>
-            <a:off x="599440" y="1198880"/>
-            <a:ext cx="11369040" cy="5394960"/>
+            <a:off x="599440" y="1539875"/>
+            <a:ext cx="11369040" cy="5053965"/>
           </a:xfrm>
         </p:spPr>
       </p:pic>
     </p:spTree>
-    <p:extLst>
-      <p:ext uri="{BB962C8B-B14F-4D97-AF65-F5344CB8AC3E}">
-        <p14:creationId xmlns:p14="http://schemas.microsoft.com/office/powerpoint/2010/main" val="1081494472"/>
-      </p:ext>
-    </p:extLst>
   </p:cSld>
   <p:clrMapOvr>
     <a:masterClrMapping/>
@@ -3821,13 +3451,7 @@
       </p:grpSpPr>
       <p:sp>
         <p:nvSpPr>
-          <p:cNvPr id="2" name="Title 1">
-            <a:extLst>
-              <a:ext uri="{FF2B5EF4-FFF2-40B4-BE49-F238E27FC236}">
-                <a16:creationId xmlns:a16="http://schemas.microsoft.com/office/drawing/2014/main" id="{93D99027-148A-50A1-C248-A70B08DC8106}"/>
-              </a:ext>
-            </a:extLst>
-          </p:cNvPr>
+          <p:cNvPr id="2" name="Title 1"/>
           <p:cNvSpPr>
             <a:spLocks noGrp="1"/>
           </p:cNvSpPr>
@@ -3843,9 +3467,9 @@
           <a:lstStyle/>
           <a:p>
             <a:r>
-              <a:rPr lang="en-US" sz="2800" b="0" dirty="0">
+              <a:rPr lang="en-US" sz="3110" b="0" dirty="0">
                 <a:solidFill>
-                  <a:srgbClr val="7CA668"/>
+                  <a:schemeClr val="tx1"/>
                 </a:solidFill>
                 <a:effectLst/>
                 <a:latin typeface="Consolas" panose="020B0609020204030204" pitchFamily="49" charset="0"/>
@@ -3861,19 +3485,29 @@
                 <a:latin typeface="Consolas" panose="020B0609020204030204" pitchFamily="49" charset="0"/>
               </a:rPr>
             </a:br>
-            <a:endParaRPr lang="en-US" dirty="0"/>
+            <a:r>
+              <a:rPr lang="en-US" sz="1335" b="0" dirty="0">
+                <a:solidFill>
+                  <a:schemeClr val="tx1"/>
+                </a:solidFill>
+                <a:effectLst/>
+                <a:latin typeface="Consolas" panose="020B0609020204030204" pitchFamily="49" charset="0"/>
+              </a:rPr>
+              <a:t>This shows the bank performance over the years from 2010 to date, The Bank has been doing great an indication that they are incresing their market share as the time goes by.2023 seems to be the best year for the Bank.</a:t>
+            </a:r>
+            <a:endParaRPr lang="en-US" sz="1335" b="0" dirty="0">
+              <a:solidFill>
+                <a:schemeClr val="tx1"/>
+              </a:solidFill>
+              <a:effectLst/>
+              <a:latin typeface="Consolas" panose="020B0609020204030204" pitchFamily="49" charset="0"/>
+            </a:endParaRPr>
           </a:p>
         </p:txBody>
       </p:sp>
       <p:pic>
         <p:nvPicPr>
-          <p:cNvPr id="5" name="Content Placeholder 4">
-            <a:extLst>
-              <a:ext uri="{FF2B5EF4-FFF2-40B4-BE49-F238E27FC236}">
-                <a16:creationId xmlns:a16="http://schemas.microsoft.com/office/drawing/2014/main" id="{30F865F1-186B-5887-DD90-C46C0260DCDA}"/>
-              </a:ext>
-            </a:extLst>
-          </p:cNvPr>
+          <p:cNvPr id="5" name="Content Placeholder 4"/>
           <p:cNvPicPr>
             <a:picLocks noGrp="1" noChangeAspect="1"/>
           </p:cNvPicPr>
@@ -3882,24 +3516,19 @@
           </p:nvPr>
         </p:nvPicPr>
         <p:blipFill>
-          <a:blip r:embed="rId2"/>
+          <a:blip r:embed="rId1"/>
           <a:stretch>
             <a:fillRect/>
           </a:stretch>
         </p:blipFill>
         <p:spPr>
           <a:xfrm>
-            <a:off x="386080" y="1825624"/>
-            <a:ext cx="11287760" cy="4869815"/>
+            <a:off x="386080" y="2235835"/>
+            <a:ext cx="11287760" cy="4459605"/>
           </a:xfrm>
         </p:spPr>
       </p:pic>
     </p:spTree>
-    <p:extLst>
-      <p:ext uri="{BB962C8B-B14F-4D97-AF65-F5344CB8AC3E}">
-        <p14:creationId xmlns:p14="http://schemas.microsoft.com/office/powerpoint/2010/main" val="2745853183"/>
-      </p:ext>
-    </p:extLst>
   </p:cSld>
   <p:clrMapOvr>
     <a:masterClrMapping/>
@@ -3926,13 +3555,7 @@
       </p:grpSpPr>
       <p:sp>
         <p:nvSpPr>
-          <p:cNvPr id="2" name="Title 1">
-            <a:extLst>
-              <a:ext uri="{FF2B5EF4-FFF2-40B4-BE49-F238E27FC236}">
-                <a16:creationId xmlns:a16="http://schemas.microsoft.com/office/drawing/2014/main" id="{599E48CF-D048-FFC2-6115-448A572E373E}"/>
-              </a:ext>
-            </a:extLst>
-          </p:cNvPr>
+          <p:cNvPr id="2" name="Title 1"/>
           <p:cNvSpPr>
             <a:spLocks noGrp="1"/>
           </p:cNvSpPr>
@@ -3943,12 +3566,12 @@
         <p:spPr/>
         <p:txBody>
           <a:bodyPr>
-            <a:normAutofit fontScale="90000"/>
+            <a:normAutofit/>
           </a:bodyPr>
           <a:lstStyle/>
           <a:p>
             <a:r>
-              <a:rPr lang="en-US" b="1" dirty="0">
+              <a:rPr lang="en-US" sz="2800" b="1" dirty="0">
                 <a:effectLst/>
                 <a:latin typeface="Consolas" panose="020B0609020204030204" pitchFamily="49" charset="0"/>
               </a:rPr>
@@ -3963,19 +3586,38 @@
                 <a:latin typeface="Consolas" panose="020B0609020204030204" pitchFamily="49" charset="0"/>
               </a:rPr>
             </a:br>
-            <a:endParaRPr lang="en-US" dirty="0"/>
+            <a:br>
+              <a:rPr lang="en-US" sz="1200" b="0" dirty="0">
+                <a:solidFill>
+                  <a:schemeClr val="tx1"/>
+                </a:solidFill>
+                <a:effectLst/>
+                <a:latin typeface="Consolas" panose="020B0609020204030204" pitchFamily="49" charset="0"/>
+              </a:rPr>
+            </a:br>
+            <a:r>
+              <a:rPr lang="en-US" sz="1200" b="0" dirty="0">
+                <a:solidFill>
+                  <a:schemeClr val="tx1"/>
+                </a:solidFill>
+                <a:effectLst/>
+                <a:latin typeface="Consolas" panose="020B0609020204030204" pitchFamily="49" charset="0"/>
+              </a:rPr>
+              <a:t>This shows the trend of loan amounts over the years an indication that the company is thriving well despite the harsh economic conditions</a:t>
+            </a:r>
+            <a:endParaRPr lang="en-US" sz="1200" b="0" dirty="0">
+              <a:solidFill>
+                <a:schemeClr val="tx1"/>
+              </a:solidFill>
+              <a:effectLst/>
+              <a:latin typeface="Consolas" panose="020B0609020204030204" pitchFamily="49" charset="0"/>
+            </a:endParaRPr>
           </a:p>
         </p:txBody>
       </p:sp>
       <p:pic>
         <p:nvPicPr>
-          <p:cNvPr id="5" name="Content Placeholder 4">
-            <a:extLst>
-              <a:ext uri="{FF2B5EF4-FFF2-40B4-BE49-F238E27FC236}">
-                <a16:creationId xmlns:a16="http://schemas.microsoft.com/office/drawing/2014/main" id="{58F74647-8A5B-73C0-5EDB-30E5AF804F90}"/>
-              </a:ext>
-            </a:extLst>
-          </p:cNvPr>
+          <p:cNvPr id="5" name="Content Placeholder 4"/>
           <p:cNvPicPr>
             <a:picLocks noGrp="1" noChangeAspect="1"/>
           </p:cNvPicPr>
@@ -3984,7 +3626,7 @@
           </p:nvPr>
         </p:nvPicPr>
         <p:blipFill>
-          <a:blip r:embed="rId2"/>
+          <a:blip r:embed="rId1"/>
           <a:stretch>
             <a:fillRect/>
           </a:stretch>
@@ -3997,11 +3639,6 @@
         </p:spPr>
       </p:pic>
     </p:spTree>
-    <p:extLst>
-      <p:ext uri="{BB962C8B-B14F-4D97-AF65-F5344CB8AC3E}">
-        <p14:creationId xmlns:p14="http://schemas.microsoft.com/office/powerpoint/2010/main" val="856474709"/>
-      </p:ext>
-    </p:extLst>
   </p:cSld>
   <p:clrMapOvr>
     <a:masterClrMapping/>
@@ -4028,13 +3665,7 @@
       </p:grpSpPr>
       <p:sp>
         <p:nvSpPr>
-          <p:cNvPr id="2" name="Title 1">
-            <a:extLst>
-              <a:ext uri="{FF2B5EF4-FFF2-40B4-BE49-F238E27FC236}">
-                <a16:creationId xmlns:a16="http://schemas.microsoft.com/office/drawing/2014/main" id="{7D43BA4D-9DA6-AB9E-5010-2441CF060EFC}"/>
-              </a:ext>
-            </a:extLst>
-          </p:cNvPr>
+          <p:cNvPr id="2" name="Title 1"/>
           <p:cNvSpPr>
             <a:spLocks noGrp="1"/>
           </p:cNvSpPr>
@@ -4065,19 +3696,29 @@
                 <a:latin typeface="Consolas" panose="020B0609020204030204" pitchFamily="49" charset="0"/>
               </a:rPr>
             </a:br>
-            <a:endParaRPr lang="en-US" dirty="0"/>
+            <a:r>
+              <a:rPr lang="en-US" sz="1200" b="0" dirty="0">
+                <a:solidFill>
+                  <a:schemeClr val="tx1"/>
+                </a:solidFill>
+                <a:effectLst/>
+                <a:latin typeface="Consolas" panose="020B0609020204030204" pitchFamily="49" charset="0"/>
+              </a:rPr>
+              <a:t>This shows the count of clients base and as shown on the previous slide, its an indication that there is a positive corelation between the two. </a:t>
+            </a:r>
+            <a:endParaRPr lang="en-US" sz="1200" b="0" dirty="0">
+              <a:solidFill>
+                <a:schemeClr val="tx1"/>
+              </a:solidFill>
+              <a:effectLst/>
+              <a:latin typeface="Consolas" panose="020B0609020204030204" pitchFamily="49" charset="0"/>
+            </a:endParaRPr>
           </a:p>
         </p:txBody>
       </p:sp>
       <p:pic>
         <p:nvPicPr>
-          <p:cNvPr id="5" name="Content Placeholder 4">
-            <a:extLst>
-              <a:ext uri="{FF2B5EF4-FFF2-40B4-BE49-F238E27FC236}">
-                <a16:creationId xmlns:a16="http://schemas.microsoft.com/office/drawing/2014/main" id="{1B5AB8FD-F0EB-4719-F465-81125F6DC481}"/>
-              </a:ext>
-            </a:extLst>
-          </p:cNvPr>
+          <p:cNvPr id="5" name="Content Placeholder 4"/>
           <p:cNvPicPr>
             <a:picLocks noGrp="1" noChangeAspect="1"/>
           </p:cNvPicPr>
@@ -4086,7 +3727,7 @@
           </p:nvPr>
         </p:nvPicPr>
         <p:blipFill>
-          <a:blip r:embed="rId2"/>
+          <a:blip r:embed="rId1"/>
           <a:stretch>
             <a:fillRect/>
           </a:stretch>
@@ -4099,11 +3740,6 @@
         </p:spPr>
       </p:pic>
     </p:spTree>
-    <p:extLst>
-      <p:ext uri="{BB962C8B-B14F-4D97-AF65-F5344CB8AC3E}">
-        <p14:creationId xmlns:p14="http://schemas.microsoft.com/office/powerpoint/2010/main" val="2488819134"/>
-      </p:ext>
-    </p:extLst>
   </p:cSld>
   <p:clrMapOvr>
     <a:masterClrMapping/>
@@ -4154,7 +3790,7 @@
     </a:clrScheme>
     <a:fontScheme name="Office">
       <a:majorFont>
-        <a:latin typeface="Calibri Light" panose="020F0302020204030204"/>
+        <a:latin typeface="Calibri Light"/>
         <a:ea typeface=""/>
         <a:cs typeface=""/>
         <a:font script="Jpan" typeface="游ゴシック Light"/>
@@ -4187,26 +3823,9 @@
         <a:font script="Viet" typeface="Times New Roman"/>
         <a:font script="Uigh" typeface="Microsoft Uighur"/>
         <a:font script="Geor" typeface="Sylfaen"/>
-        <a:font script="Armn" typeface="Arial"/>
-        <a:font script="Bugi" typeface="Leelawadee UI"/>
-        <a:font script="Bopo" typeface="Microsoft JhengHei"/>
-        <a:font script="Java" typeface="Javanese Text"/>
-        <a:font script="Lisu" typeface="Segoe UI"/>
-        <a:font script="Mymr" typeface="Myanmar Text"/>
-        <a:font script="Nkoo" typeface="Ebrima"/>
-        <a:font script="Olck" typeface="Nirmala UI"/>
-        <a:font script="Osma" typeface="Ebrima"/>
-        <a:font script="Phag" typeface="Phagspa"/>
-        <a:font script="Syrn" typeface="Estrangelo Edessa"/>
-        <a:font script="Syrj" typeface="Estrangelo Edessa"/>
-        <a:font script="Syre" typeface="Estrangelo Edessa"/>
-        <a:font script="Sora" typeface="Nirmala UI"/>
-        <a:font script="Tale" typeface="Microsoft Tai Le"/>
-        <a:font script="Talu" typeface="Microsoft New Tai Lue"/>
-        <a:font script="Tfng" typeface="Ebrima"/>
       </a:majorFont>
       <a:minorFont>
-        <a:latin typeface="Calibri" panose="020F0502020204030204"/>
+        <a:latin typeface="Calibri"/>
         <a:ea typeface=""/>
         <a:cs typeface=""/>
         <a:font script="Jpan" typeface="游ゴシック"/>
@@ -4239,23 +3858,6 @@
         <a:font script="Viet" typeface="Arial"/>
         <a:font script="Uigh" typeface="Microsoft Uighur"/>
         <a:font script="Geor" typeface="Sylfaen"/>
-        <a:font script="Armn" typeface="Arial"/>
-        <a:font script="Bugi" typeface="Leelawadee UI"/>
-        <a:font script="Bopo" typeface="Microsoft JhengHei"/>
-        <a:font script="Java" typeface="Javanese Text"/>
-        <a:font script="Lisu" typeface="Segoe UI"/>
-        <a:font script="Mymr" typeface="Myanmar Text"/>
-        <a:font script="Nkoo" typeface="Ebrima"/>
-        <a:font script="Olck" typeface="Nirmala UI"/>
-        <a:font script="Osma" typeface="Ebrima"/>
-        <a:font script="Phag" typeface="Phagspa"/>
-        <a:font script="Syrn" typeface="Estrangelo Edessa"/>
-        <a:font script="Syrj" typeface="Estrangelo Edessa"/>
-        <a:font script="Syre" typeface="Estrangelo Edessa"/>
-        <a:font script="Sora" typeface="Nirmala UI"/>
-        <a:font script="Tale" typeface="Microsoft Tai Le"/>
-        <a:font script="Talu" typeface="Microsoft New Tai Lue"/>
-        <a:font script="Tfng" typeface="Ebrima"/>
       </a:minorFont>
     </a:fontScheme>
     <a:fmtScheme name="Office">
@@ -4396,8 +3998,6 @@
       </a:bgFillStyleLst>
     </a:fmtScheme>
   </a:themeElements>
-  <a:objectDefaults/>
-  <a:extraClrSchemeLst/>
   <a:extLst>
     <a:ext uri="{05A4C25C-085E-4340-85A3-A5531E510DB2}">
       <thm15:themeFamily xmlns:thm15="http://schemas.microsoft.com/office/thememl/2012/main" name="Office Theme" id="{62F939B6-93AF-4DB8-9C6B-D6C7DFDC589F}" vid="{4A3C46E8-61CC-4603-A589-7422A47A8E4A}"/>

--- a/Loan Book Analysis.pptx
+++ b/Loan Book Analysis.pptx
@@ -6,12 +6,14 @@
   </p:sldMasterIdLst>
   <p:sldIdLst>
     <p:sldId id="256" r:id="rId3"/>
-    <p:sldId id="257" r:id="rId4"/>
-    <p:sldId id="258" r:id="rId5"/>
-    <p:sldId id="259" r:id="rId6"/>
-    <p:sldId id="260" r:id="rId7"/>
-    <p:sldId id="261" r:id="rId8"/>
-    <p:sldId id="262" r:id="rId9"/>
+    <p:sldId id="263" r:id="rId4"/>
+    <p:sldId id="257" r:id="rId5"/>
+    <p:sldId id="258" r:id="rId6"/>
+    <p:sldId id="259" r:id="rId7"/>
+    <p:sldId id="260" r:id="rId8"/>
+    <p:sldId id="261" r:id="rId9"/>
+    <p:sldId id="262" r:id="rId10"/>
+    <p:sldId id="264" r:id="rId11"/>
   </p:sldIdLst>
   <p:sldSz cx="12192000" cy="6858000"/>
   <p:notesSz cx="6858000" cy="9144000"/>
@@ -3078,6 +3080,46 @@
         <p:cNvGrpSpPr/>
         <p:nvPr/>
       </p:nvGrpSpPr>
+      <p:grpSpPr/>
+      <p:sp>
+        <p:nvSpPr>
+          <p:cNvPr id="3" name="Content Placeholder 2"/>
+          <p:cNvSpPr>
+            <a:spLocks noGrp="1"/>
+          </p:cNvSpPr>
+          <p:nvPr>
+            <p:ph idx="1"/>
+          </p:nvPr>
+        </p:nvSpPr>
+        <p:spPr/>
+        <p:txBody>
+          <a:bodyPr/>
+          <a:p>
+            <a:r>
+              <a:rPr lang="en-US" sz="7900"/>
+              <a:t>THANK YOU</a:t>
+            </a:r>
+            <a:endParaRPr lang="en-US" sz="7900"/>
+          </a:p>
+        </p:txBody>
+      </p:sp>
+    </p:spTree>
+  </p:cSld>
+  <p:clrMapOvr>
+    <a:masterClrMapping/>
+  </p:clrMapOvr>
+</p:sld>
+</file>
+
+<file path=ppt/slides/slide3.xml><?xml version="1.0" encoding="utf-8"?>
+<p:sld xmlns:a="http://schemas.openxmlformats.org/drawingml/2006/main" xmlns:r="http://schemas.openxmlformats.org/officeDocument/2006/relationships" xmlns:p="http://schemas.openxmlformats.org/presentationml/2006/main">
+  <p:cSld>
+    <p:spTree>
+      <p:nvGrpSpPr>
+        <p:cNvPr id="1" name=""/>
+        <p:cNvGrpSpPr/>
+        <p:nvPr/>
+      </p:nvGrpSpPr>
       <p:grpSpPr>
         <a:xfrm>
           <a:off x="0" y="0"/>
@@ -3197,7 +3239,7 @@
 </p:sld>
 </file>
 
-<file path=ppt/slides/slide3.xml><?xml version="1.0" encoding="utf-8"?>
+<file path=ppt/slides/slide4.xml><?xml version="1.0" encoding="utf-8"?>
 <p:sld xmlns:a="http://schemas.openxmlformats.org/drawingml/2006/main" xmlns:r="http://schemas.openxmlformats.org/officeDocument/2006/relationships" xmlns:p="http://schemas.openxmlformats.org/presentationml/2006/main">
   <p:cSld>
     <p:spTree>
@@ -3302,125 +3344,6 @@
           <a:xfrm>
             <a:off x="528320" y="1849120"/>
             <a:ext cx="11277600" cy="4846320"/>
-          </a:xfrm>
-        </p:spPr>
-      </p:pic>
-    </p:spTree>
-  </p:cSld>
-  <p:clrMapOvr>
-    <a:masterClrMapping/>
-  </p:clrMapOvr>
-</p:sld>
-</file>
-
-<file path=ppt/slides/slide4.xml><?xml version="1.0" encoding="utf-8"?>
-<p:sld xmlns:a="http://schemas.openxmlformats.org/drawingml/2006/main" xmlns:r="http://schemas.openxmlformats.org/officeDocument/2006/relationships" xmlns:p="http://schemas.openxmlformats.org/presentationml/2006/main">
-  <p:cSld>
-    <p:spTree>
-      <p:nvGrpSpPr>
-        <p:cNvPr id="1" name=""/>
-        <p:cNvGrpSpPr/>
-        <p:nvPr/>
-      </p:nvGrpSpPr>
-      <p:grpSpPr>
-        <a:xfrm>
-          <a:off x="0" y="0"/>
-          <a:ext cx="0" cy="0"/>
-          <a:chOff x="0" y="0"/>
-          <a:chExt cx="0" cy="0"/>
-        </a:xfrm>
-      </p:grpSpPr>
-      <p:sp>
-        <p:nvSpPr>
-          <p:cNvPr id="2" name="Title 1"/>
-          <p:cNvSpPr>
-            <a:spLocks noGrp="1"/>
-          </p:cNvSpPr>
-          <p:nvPr>
-            <p:ph type="title"/>
-          </p:nvPr>
-        </p:nvSpPr>
-        <p:spPr/>
-        <p:txBody>
-          <a:bodyPr>
-            <a:normAutofit/>
-          </a:bodyPr>
-          <a:lstStyle/>
-          <a:p>
-            <a:pPr algn="l">
-              <a:buClrTx/>
-              <a:buSzTx/>
-              <a:buFontTx/>
-            </a:pPr>
-            <a:r>
-              <a:rPr lang="en-US" sz="2800" dirty="0">
-                <a:solidFill>
-                  <a:schemeClr val="tx1"/>
-                </a:solidFill>
-                <a:effectLst/>
-                <a:latin typeface="Consolas" panose="020B0609020204030204" pitchFamily="49" charset="0"/>
-              </a:rPr>
-              <a:t>#Pricipal Balance per the collection Officer</a:t>
-            </a:r>
-            <a:br>
-              <a:rPr lang="en-US" sz="3100" b="0" dirty="0">
-                <a:solidFill>
-                  <a:srgbClr val="7CA668"/>
-                </a:solidFill>
-                <a:effectLst/>
-                <a:latin typeface="Consolas" panose="020B0609020204030204" pitchFamily="49" charset="0"/>
-              </a:rPr>
-            </a:br>
-            <a:r>
-              <a:rPr lang="en-US" sz="1200" b="0" dirty="0">
-                <a:solidFill>
-                  <a:schemeClr val="tx1"/>
-                </a:solidFill>
-                <a:effectLst/>
-                <a:latin typeface="Consolas" panose="020B0609020204030204" pitchFamily="49" charset="0"/>
-              </a:rPr>
-              <a:t>The bank has several officer responsible for conducting collection, each officer is allocated a portfolio and from the below it shows that some are doing poorly in book retention. They should summoned to identify where the challenge is so that they can be given the necessary support inorder for them to catch up with the rest.</a:t>
-            </a:r>
-            <a:r>
-              <a:rPr lang="en-US" sz="1200" b="0" dirty="0">
-                <a:solidFill>
-                  <a:srgbClr val="7CA668"/>
-                </a:solidFill>
-                <a:effectLst/>
-                <a:latin typeface="Consolas" panose="020B0609020204030204" pitchFamily="49" charset="0"/>
-              </a:rPr>
-              <a:t> </a:t>
-            </a:r>
-            <a:endParaRPr lang="en-US" sz="1200" dirty="0">
-              <a:solidFill>
-                <a:srgbClr val="7CA668"/>
-              </a:solidFill>
-              <a:effectLst/>
-              <a:latin typeface="Consolas" panose="020B0609020204030204" pitchFamily="49" charset="0"/>
-            </a:endParaRPr>
-          </a:p>
-        </p:txBody>
-      </p:sp>
-      <p:pic>
-        <p:nvPicPr>
-          <p:cNvPr id="5" name="Content Placeholder 4"/>
-          <p:cNvPicPr>
-            <a:picLocks noGrp="1" noChangeAspect="1"/>
-          </p:cNvPicPr>
-          <p:nvPr>
-            <p:ph idx="1"/>
-          </p:nvPr>
-        </p:nvPicPr>
-        <p:blipFill>
-          <a:blip r:embed="rId1"/>
-          <a:stretch>
-            <a:fillRect/>
-          </a:stretch>
-        </p:blipFill>
-        <p:spPr>
-          <a:xfrm>
-            <a:off x="599440" y="1539875"/>
-            <a:ext cx="11369040" cy="5053965"/>
           </a:xfrm>
         </p:spPr>
       </p:pic>
@@ -3462,42 +3385,57 @@
         <p:spPr/>
         <p:txBody>
           <a:bodyPr>
-            <a:normAutofit fontScale="90000"/>
+            <a:normAutofit/>
           </a:bodyPr>
           <a:lstStyle/>
           <a:p>
-            <a:r>
-              <a:rPr lang="en-US" sz="3110" b="0" dirty="0">
+            <a:pPr algn="l">
+              <a:buClrTx/>
+              <a:buSzTx/>
+              <a:buFontTx/>
+            </a:pPr>
+            <a:r>
+              <a:rPr lang="en-US" sz="2800" dirty="0">
                 <a:solidFill>
                   <a:schemeClr val="tx1"/>
                 </a:solidFill>
                 <a:effectLst/>
                 <a:latin typeface="Consolas" panose="020B0609020204030204" pitchFamily="49" charset="0"/>
               </a:rPr>
-              <a:t># Trend of loan amounts issued in various years to show if its on the upward trend or downward trend</a:t>
+              <a:t>#Pricipal Balance per the collection Officer</a:t>
             </a:r>
             <a:br>
-              <a:rPr lang="en-US" b="0" dirty="0">
+              <a:rPr lang="en-US" sz="3100" b="0" dirty="0">
                 <a:solidFill>
-                  <a:srgbClr val="FFFFFF"/>
+                  <a:srgbClr val="7CA668"/>
                 </a:solidFill>
                 <a:effectLst/>
                 <a:latin typeface="Consolas" panose="020B0609020204030204" pitchFamily="49" charset="0"/>
               </a:rPr>
             </a:br>
             <a:r>
-              <a:rPr lang="en-US" sz="1335" b="0" dirty="0">
+              <a:rPr lang="en-US" sz="1200" b="0" dirty="0">
                 <a:solidFill>
                   <a:schemeClr val="tx1"/>
                 </a:solidFill>
                 <a:effectLst/>
                 <a:latin typeface="Consolas" panose="020B0609020204030204" pitchFamily="49" charset="0"/>
               </a:rPr>
-              <a:t>This shows the bank performance over the years from 2010 to date, The Bank has been doing great an indication that they are incresing their market share as the time goes by.2023 seems to be the best year for the Bank.</a:t>
-            </a:r>
-            <a:endParaRPr lang="en-US" sz="1335" b="0" dirty="0">
+              <a:t>The bank has several officer responsible for conducting collection, each officer is allocated a portfolio and from the below it shows that some are doing poorly in book retention. They should summoned to identify where the challenge is so that they can be given the necessary support inorder for them to catch up with the rest.</a:t>
+            </a:r>
+            <a:r>
+              <a:rPr lang="en-US" sz="1200" b="0" dirty="0">
+                <a:solidFill>
+                  <a:srgbClr val="7CA668"/>
+                </a:solidFill>
+                <a:effectLst/>
+                <a:latin typeface="Consolas" panose="020B0609020204030204" pitchFamily="49" charset="0"/>
+              </a:rPr>
+              <a:t> </a:t>
+            </a:r>
+            <a:endParaRPr lang="en-US" sz="1200" dirty="0">
               <a:solidFill>
-                <a:schemeClr val="tx1"/>
+                <a:srgbClr val="7CA668"/>
               </a:solidFill>
               <a:effectLst/>
               <a:latin typeface="Consolas" panose="020B0609020204030204" pitchFamily="49" charset="0"/>
@@ -3523,8 +3461,8 @@
         </p:blipFill>
         <p:spPr>
           <a:xfrm>
-            <a:off x="386080" y="2235835"/>
-            <a:ext cx="11287760" cy="4459605"/>
+            <a:off x="599440" y="1539875"/>
+            <a:ext cx="11369040" cy="5053965"/>
           </a:xfrm>
         </p:spPr>
       </p:pic>
@@ -3566,16 +3504,19 @@
         <p:spPr/>
         <p:txBody>
           <a:bodyPr>
-            <a:normAutofit/>
+            <a:normAutofit fontScale="90000"/>
           </a:bodyPr>
           <a:lstStyle/>
           <a:p>
             <a:r>
-              <a:rPr lang="en-US" sz="2800" b="1" dirty="0">
+              <a:rPr lang="en-US" sz="3110" b="0" dirty="0">
+                <a:solidFill>
+                  <a:schemeClr val="tx1"/>
+                </a:solidFill>
                 <a:effectLst/>
                 <a:latin typeface="Consolas" panose="020B0609020204030204" pitchFamily="49" charset="0"/>
               </a:rPr>
-              <a:t>#Loan Amounts Trend over the years</a:t>
+              <a:t># Trend of loan amounts issued in various years to show if its on the upward trend or downward trend</a:t>
             </a:r>
             <a:br>
               <a:rPr lang="en-US" b="0" dirty="0">
@@ -3586,26 +3527,17 @@
                 <a:latin typeface="Consolas" panose="020B0609020204030204" pitchFamily="49" charset="0"/>
               </a:rPr>
             </a:br>
-            <a:br>
-              <a:rPr lang="en-US" sz="1200" b="0" dirty="0">
+            <a:r>
+              <a:rPr lang="en-US" sz="1335" b="0" dirty="0">
                 <a:solidFill>
                   <a:schemeClr val="tx1"/>
                 </a:solidFill>
                 <a:effectLst/>
                 <a:latin typeface="Consolas" panose="020B0609020204030204" pitchFamily="49" charset="0"/>
               </a:rPr>
-            </a:br>
-            <a:r>
-              <a:rPr lang="en-US" sz="1200" b="0" dirty="0">
-                <a:solidFill>
-                  <a:schemeClr val="tx1"/>
-                </a:solidFill>
-                <a:effectLst/>
-                <a:latin typeface="Consolas" panose="020B0609020204030204" pitchFamily="49" charset="0"/>
-              </a:rPr>
-              <a:t>This shows the trend of loan amounts over the years an indication that the company is thriving well despite the harsh economic conditions</a:t>
-            </a:r>
-            <a:endParaRPr lang="en-US" sz="1200" b="0" dirty="0">
+              <a:t>This shows the bank performance over the years from 2010 to date, The Bank has been doing great an indication that they are incresing their market share as the time goes by.2023 seems to be the best year for the Bank.</a:t>
+            </a:r>
+            <a:endParaRPr lang="en-US" sz="1335" b="0" dirty="0">
               <a:solidFill>
                 <a:schemeClr val="tx1"/>
               </a:solidFill>
@@ -3633,8 +3565,8 @@
         </p:blipFill>
         <p:spPr>
           <a:xfrm>
-            <a:off x="528320" y="1825624"/>
-            <a:ext cx="11267439" cy="4808855"/>
+            <a:off x="386080" y="2235835"/>
+            <a:ext cx="11287760" cy="4459605"/>
           </a:xfrm>
         </p:spPr>
       </p:pic>
@@ -3685,6 +3617,116 @@
                 <a:effectLst/>
                 <a:latin typeface="Consolas" panose="020B0609020204030204" pitchFamily="49" charset="0"/>
               </a:rPr>
+              <a:t>#Loan Amounts Trend over the years</a:t>
+            </a:r>
+            <a:br>
+              <a:rPr lang="en-US" b="0" dirty="0">
+                <a:solidFill>
+                  <a:srgbClr val="FFFFFF"/>
+                </a:solidFill>
+                <a:effectLst/>
+                <a:latin typeface="Consolas" panose="020B0609020204030204" pitchFamily="49" charset="0"/>
+              </a:rPr>
+            </a:br>
+            <a:br>
+              <a:rPr lang="en-US" sz="1200" b="0" dirty="0">
+                <a:solidFill>
+                  <a:schemeClr val="tx1"/>
+                </a:solidFill>
+                <a:effectLst/>
+                <a:latin typeface="Consolas" panose="020B0609020204030204" pitchFamily="49" charset="0"/>
+              </a:rPr>
+            </a:br>
+            <a:r>
+              <a:rPr lang="en-US" sz="1200" b="0" dirty="0">
+                <a:solidFill>
+                  <a:schemeClr val="tx1"/>
+                </a:solidFill>
+                <a:effectLst/>
+                <a:latin typeface="Consolas" panose="020B0609020204030204" pitchFamily="49" charset="0"/>
+              </a:rPr>
+              <a:t>This shows the trend of loan amounts over the years an indication that the company is thriving well despite the harsh economic conditions</a:t>
+            </a:r>
+            <a:endParaRPr lang="en-US" sz="1200" b="0" dirty="0">
+              <a:solidFill>
+                <a:schemeClr val="tx1"/>
+              </a:solidFill>
+              <a:effectLst/>
+              <a:latin typeface="Consolas" panose="020B0609020204030204" pitchFamily="49" charset="0"/>
+            </a:endParaRPr>
+          </a:p>
+        </p:txBody>
+      </p:sp>
+      <p:pic>
+        <p:nvPicPr>
+          <p:cNvPr id="5" name="Content Placeholder 4"/>
+          <p:cNvPicPr>
+            <a:picLocks noGrp="1" noChangeAspect="1"/>
+          </p:cNvPicPr>
+          <p:nvPr>
+            <p:ph idx="1"/>
+          </p:nvPr>
+        </p:nvPicPr>
+        <p:blipFill>
+          <a:blip r:embed="rId1"/>
+          <a:stretch>
+            <a:fillRect/>
+          </a:stretch>
+        </p:blipFill>
+        <p:spPr>
+          <a:xfrm>
+            <a:off x="528320" y="1825624"/>
+            <a:ext cx="11267439" cy="4808855"/>
+          </a:xfrm>
+        </p:spPr>
+      </p:pic>
+    </p:spTree>
+  </p:cSld>
+  <p:clrMapOvr>
+    <a:masterClrMapping/>
+  </p:clrMapOvr>
+</p:sld>
+</file>
+
+<file path=ppt/slides/slide8.xml><?xml version="1.0" encoding="utf-8"?>
+<p:sld xmlns:a="http://schemas.openxmlformats.org/drawingml/2006/main" xmlns:r="http://schemas.openxmlformats.org/officeDocument/2006/relationships" xmlns:p="http://schemas.openxmlformats.org/presentationml/2006/main">
+  <p:cSld>
+    <p:spTree>
+      <p:nvGrpSpPr>
+        <p:cNvPr id="1" name=""/>
+        <p:cNvGrpSpPr/>
+        <p:nvPr/>
+      </p:nvGrpSpPr>
+      <p:grpSpPr>
+        <a:xfrm>
+          <a:off x="0" y="0"/>
+          <a:ext cx="0" cy="0"/>
+          <a:chOff x="0" y="0"/>
+          <a:chExt cx="0" cy="0"/>
+        </a:xfrm>
+      </p:grpSpPr>
+      <p:sp>
+        <p:nvSpPr>
+          <p:cNvPr id="2" name="Title 1"/>
+          <p:cNvSpPr>
+            <a:spLocks noGrp="1"/>
+          </p:cNvSpPr>
+          <p:nvPr>
+            <p:ph type="title"/>
+          </p:nvPr>
+        </p:nvSpPr>
+        <p:spPr/>
+        <p:txBody>
+          <a:bodyPr>
+            <a:normAutofit/>
+          </a:bodyPr>
+          <a:lstStyle/>
+          <a:p>
+            <a:r>
+              <a:rPr lang="en-US" sz="2800" b="1" dirty="0">
+                <a:effectLst/>
+                <a:latin typeface="Consolas" panose="020B0609020204030204" pitchFamily="49" charset="0"/>
+              </a:rPr>
               <a:t>#Trend Count of Account holders over the years</a:t>
             </a:r>
             <a:br>
@@ -3737,6 +3779,79 @@
             <a:off x="447040" y="1483360"/>
             <a:ext cx="11348720" cy="5009515"/>
           </a:xfrm>
+        </p:spPr>
+      </p:pic>
+    </p:spTree>
+  </p:cSld>
+  <p:clrMapOvr>
+    <a:masterClrMapping/>
+  </p:clrMapOvr>
+</p:sld>
+</file>
+
+<file path=ppt/slides/slide9.xml><?xml version="1.0" encoding="utf-8"?>
+<p:sld xmlns:a="http://schemas.openxmlformats.org/drawingml/2006/main" xmlns:r="http://schemas.openxmlformats.org/officeDocument/2006/relationships" xmlns:p="http://schemas.openxmlformats.org/presentationml/2006/main">
+  <p:cSld>
+    <p:spTree>
+      <p:nvGrpSpPr>
+        <p:cNvPr id="1" name=""/>
+        <p:cNvGrpSpPr/>
+        <p:nvPr/>
+      </p:nvGrpSpPr>
+      <p:grpSpPr/>
+      <p:sp>
+        <p:nvSpPr>
+          <p:cNvPr id="3" name="Content Placeholder 2"/>
+          <p:cNvSpPr>
+            <a:spLocks noGrp="1"/>
+          </p:cNvSpPr>
+          <p:nvPr>
+            <p:ph idx="1"/>
+          </p:nvPr>
+        </p:nvSpPr>
+        <p:spPr/>
+        <p:txBody>
+          <a:bodyPr/>
+          <a:p>
+            <a:pPr marL="1371600" lvl="3" indent="457200">
+              <a:buNone/>
+            </a:pPr>
+            <a:r>
+              <a:rPr lang="en-US" sz="9000">
+                <a:latin typeface="Consolas" panose="020B0609020204030204" pitchFamily="49" charset="0"/>
+                <a:cs typeface="Consolas" panose="020B0609020204030204" pitchFamily="49" charset="0"/>
+              </a:rPr>
+              <a:t>THANK YOU</a:t>
+            </a:r>
+            <a:endParaRPr lang="en-US" sz="9000">
+              <a:latin typeface="Consolas" panose="020B0609020204030204" pitchFamily="49" charset="0"/>
+              <a:cs typeface="Consolas" panose="020B0609020204030204" pitchFamily="49" charset="0"/>
+            </a:endParaRPr>
+          </a:p>
+        </p:txBody>
+      </p:sp>
+      <p:pic>
+        <p:nvPicPr>
+          <p:cNvPr id="4" name="Picture 3" descr="THANKS"/>
+          <p:cNvPicPr>
+            <a:picLocks noChangeAspect="1"/>
+          </p:cNvPicPr>
+          <p:nvPr/>
+        </p:nvPicPr>
+        <p:blipFill>
+          <a:blip r:embed="rId1"/>
+          <a:stretch>
+            <a:fillRect/>
+          </a:stretch>
+        </p:blipFill>
+        <p:spPr>
+          <a:xfrm>
+            <a:off x="0" y="0"/>
+            <a:ext cx="12192000" cy="6857365"/>
+          </a:xfrm>
+          <a:prstGeom prst="rect">
+            <a:avLst/>
+          </a:prstGeom>
         </p:spPr>
       </p:pic>
     </p:spTree>

--- a/Loan Book Analysis.pptx
+++ b/Loan Book Analysis.pptx
@@ -6,14 +6,13 @@
   </p:sldMasterIdLst>
   <p:sldIdLst>
     <p:sldId id="256" r:id="rId3"/>
-    <p:sldId id="263" r:id="rId4"/>
-    <p:sldId id="257" r:id="rId5"/>
-    <p:sldId id="258" r:id="rId6"/>
-    <p:sldId id="259" r:id="rId7"/>
-    <p:sldId id="260" r:id="rId8"/>
-    <p:sldId id="261" r:id="rId9"/>
-    <p:sldId id="262" r:id="rId10"/>
-    <p:sldId id="264" r:id="rId11"/>
+    <p:sldId id="257" r:id="rId4"/>
+    <p:sldId id="258" r:id="rId5"/>
+    <p:sldId id="259" r:id="rId6"/>
+    <p:sldId id="260" r:id="rId7"/>
+    <p:sldId id="261" r:id="rId8"/>
+    <p:sldId id="262" r:id="rId9"/>
+    <p:sldId id="264" r:id="rId10"/>
   </p:sldIdLst>
   <p:sldSz cx="12192000" cy="6858000"/>
   <p:notesSz cx="6858000" cy="9144000"/>
@@ -3080,46 +3079,6 @@
         <p:cNvGrpSpPr/>
         <p:nvPr/>
       </p:nvGrpSpPr>
-      <p:grpSpPr/>
-      <p:sp>
-        <p:nvSpPr>
-          <p:cNvPr id="3" name="Content Placeholder 2"/>
-          <p:cNvSpPr>
-            <a:spLocks noGrp="1"/>
-          </p:cNvSpPr>
-          <p:nvPr>
-            <p:ph idx="1"/>
-          </p:nvPr>
-        </p:nvSpPr>
-        <p:spPr/>
-        <p:txBody>
-          <a:bodyPr/>
-          <a:p>
-            <a:r>
-              <a:rPr lang="en-US" sz="7900"/>
-              <a:t>THANK YOU</a:t>
-            </a:r>
-            <a:endParaRPr lang="en-US" sz="7900"/>
-          </a:p>
-        </p:txBody>
-      </p:sp>
-    </p:spTree>
-  </p:cSld>
-  <p:clrMapOvr>
-    <a:masterClrMapping/>
-  </p:clrMapOvr>
-</p:sld>
-</file>
-
-<file path=ppt/slides/slide3.xml><?xml version="1.0" encoding="utf-8"?>
-<p:sld xmlns:a="http://schemas.openxmlformats.org/drawingml/2006/main" xmlns:r="http://schemas.openxmlformats.org/officeDocument/2006/relationships" xmlns:p="http://schemas.openxmlformats.org/presentationml/2006/main">
-  <p:cSld>
-    <p:spTree>
-      <p:nvGrpSpPr>
-        <p:cNvPr id="1" name=""/>
-        <p:cNvGrpSpPr/>
-        <p:nvPr/>
-      </p:nvGrpSpPr>
       <p:grpSpPr>
         <a:xfrm>
           <a:off x="0" y="0"/>
@@ -3239,7 +3198,7 @@
 </p:sld>
 </file>
 
-<file path=ppt/slides/slide4.xml><?xml version="1.0" encoding="utf-8"?>
+<file path=ppt/slides/slide3.xml><?xml version="1.0" encoding="utf-8"?>
 <p:sld xmlns:a="http://schemas.openxmlformats.org/drawingml/2006/main" xmlns:r="http://schemas.openxmlformats.org/officeDocument/2006/relationships" xmlns:p="http://schemas.openxmlformats.org/presentationml/2006/main">
   <p:cSld>
     <p:spTree>
@@ -3344,6 +3303,125 @@
           <a:xfrm>
             <a:off x="528320" y="1849120"/>
             <a:ext cx="11277600" cy="4846320"/>
+          </a:xfrm>
+        </p:spPr>
+      </p:pic>
+    </p:spTree>
+  </p:cSld>
+  <p:clrMapOvr>
+    <a:masterClrMapping/>
+  </p:clrMapOvr>
+</p:sld>
+</file>
+
+<file path=ppt/slides/slide4.xml><?xml version="1.0" encoding="utf-8"?>
+<p:sld xmlns:a="http://schemas.openxmlformats.org/drawingml/2006/main" xmlns:r="http://schemas.openxmlformats.org/officeDocument/2006/relationships" xmlns:p="http://schemas.openxmlformats.org/presentationml/2006/main">
+  <p:cSld>
+    <p:spTree>
+      <p:nvGrpSpPr>
+        <p:cNvPr id="1" name=""/>
+        <p:cNvGrpSpPr/>
+        <p:nvPr/>
+      </p:nvGrpSpPr>
+      <p:grpSpPr>
+        <a:xfrm>
+          <a:off x="0" y="0"/>
+          <a:ext cx="0" cy="0"/>
+          <a:chOff x="0" y="0"/>
+          <a:chExt cx="0" cy="0"/>
+        </a:xfrm>
+      </p:grpSpPr>
+      <p:sp>
+        <p:nvSpPr>
+          <p:cNvPr id="2" name="Title 1"/>
+          <p:cNvSpPr>
+            <a:spLocks noGrp="1"/>
+          </p:cNvSpPr>
+          <p:nvPr>
+            <p:ph type="title"/>
+          </p:nvPr>
+        </p:nvSpPr>
+        <p:spPr/>
+        <p:txBody>
+          <a:bodyPr>
+            <a:normAutofit/>
+          </a:bodyPr>
+          <a:lstStyle/>
+          <a:p>
+            <a:pPr algn="l">
+              <a:buClrTx/>
+              <a:buSzTx/>
+              <a:buFontTx/>
+            </a:pPr>
+            <a:r>
+              <a:rPr lang="en-US" sz="2800" dirty="0">
+                <a:solidFill>
+                  <a:schemeClr val="tx1"/>
+                </a:solidFill>
+                <a:effectLst/>
+                <a:latin typeface="Consolas" panose="020B0609020204030204" pitchFamily="49" charset="0"/>
+              </a:rPr>
+              <a:t>#Pricipal Balance per the collection Officer</a:t>
+            </a:r>
+            <a:br>
+              <a:rPr lang="en-US" sz="3100" b="0" dirty="0">
+                <a:solidFill>
+                  <a:srgbClr val="7CA668"/>
+                </a:solidFill>
+                <a:effectLst/>
+                <a:latin typeface="Consolas" panose="020B0609020204030204" pitchFamily="49" charset="0"/>
+              </a:rPr>
+            </a:br>
+            <a:r>
+              <a:rPr lang="en-US" sz="1200" b="0" dirty="0">
+                <a:solidFill>
+                  <a:schemeClr val="tx1"/>
+                </a:solidFill>
+                <a:effectLst/>
+                <a:latin typeface="Consolas" panose="020B0609020204030204" pitchFamily="49" charset="0"/>
+              </a:rPr>
+              <a:t>The bank has several officer responsible for conducting collection, each officer is allocated a portfolio and from the below it shows that some are doing poorly in book retention. They should summoned to identify where the challenge is so that they can be given the necessary support inorder for them to catch up with the rest.</a:t>
+            </a:r>
+            <a:r>
+              <a:rPr lang="en-US" sz="1200" b="0" dirty="0">
+                <a:solidFill>
+                  <a:srgbClr val="7CA668"/>
+                </a:solidFill>
+                <a:effectLst/>
+                <a:latin typeface="Consolas" panose="020B0609020204030204" pitchFamily="49" charset="0"/>
+              </a:rPr>
+              <a:t> </a:t>
+            </a:r>
+            <a:endParaRPr lang="en-US" sz="1200" dirty="0">
+              <a:solidFill>
+                <a:srgbClr val="7CA668"/>
+              </a:solidFill>
+              <a:effectLst/>
+              <a:latin typeface="Consolas" panose="020B0609020204030204" pitchFamily="49" charset="0"/>
+            </a:endParaRPr>
+          </a:p>
+        </p:txBody>
+      </p:sp>
+      <p:pic>
+        <p:nvPicPr>
+          <p:cNvPr id="5" name="Content Placeholder 4"/>
+          <p:cNvPicPr>
+            <a:picLocks noGrp="1" noChangeAspect="1"/>
+          </p:cNvPicPr>
+          <p:nvPr>
+            <p:ph idx="1"/>
+          </p:nvPr>
+        </p:nvPicPr>
+        <p:blipFill>
+          <a:blip r:embed="rId1"/>
+          <a:stretch>
+            <a:fillRect/>
+          </a:stretch>
+        </p:blipFill>
+        <p:spPr>
+          <a:xfrm>
+            <a:off x="599440" y="1539875"/>
+            <a:ext cx="11369040" cy="5053965"/>
           </a:xfrm>
         </p:spPr>
       </p:pic>
@@ -3385,57 +3463,42 @@
         <p:spPr/>
         <p:txBody>
           <a:bodyPr>
-            <a:normAutofit/>
+            <a:normAutofit fontScale="90000"/>
           </a:bodyPr>
           <a:lstStyle/>
           <a:p>
-            <a:pPr algn="l">
-              <a:buClrTx/>
-              <a:buSzTx/>
-              <a:buFontTx/>
-            </a:pPr>
-            <a:r>
-              <a:rPr lang="en-US" sz="2800" dirty="0">
+            <a:r>
+              <a:rPr lang="en-US" sz="3110" b="0" dirty="0">
                 <a:solidFill>
                   <a:schemeClr val="tx1"/>
                 </a:solidFill>
                 <a:effectLst/>
                 <a:latin typeface="Consolas" panose="020B0609020204030204" pitchFamily="49" charset="0"/>
               </a:rPr>
-              <a:t>#Pricipal Balance per the collection Officer</a:t>
+              <a:t># Trend of loan amounts issued in various years to show if its on the upward trend or downward trend</a:t>
             </a:r>
             <a:br>
-              <a:rPr lang="en-US" sz="3100" b="0" dirty="0">
+              <a:rPr lang="en-US" b="0" dirty="0">
                 <a:solidFill>
-                  <a:srgbClr val="7CA668"/>
+                  <a:srgbClr val="FFFFFF"/>
                 </a:solidFill>
                 <a:effectLst/>
                 <a:latin typeface="Consolas" panose="020B0609020204030204" pitchFamily="49" charset="0"/>
               </a:rPr>
             </a:br>
             <a:r>
-              <a:rPr lang="en-US" sz="1200" b="0" dirty="0">
+              <a:rPr lang="en-US" sz="1335" b="0" dirty="0">
                 <a:solidFill>
                   <a:schemeClr val="tx1"/>
                 </a:solidFill>
                 <a:effectLst/>
                 <a:latin typeface="Consolas" panose="020B0609020204030204" pitchFamily="49" charset="0"/>
               </a:rPr>
-              <a:t>The bank has several officer responsible for conducting collection, each officer is allocated a portfolio and from the below it shows that some are doing poorly in book retention. They should summoned to identify where the challenge is so that they can be given the necessary support inorder for them to catch up with the rest.</a:t>
-            </a:r>
-            <a:r>
-              <a:rPr lang="en-US" sz="1200" b="0" dirty="0">
-                <a:solidFill>
-                  <a:srgbClr val="7CA668"/>
-                </a:solidFill>
-                <a:effectLst/>
-                <a:latin typeface="Consolas" panose="020B0609020204030204" pitchFamily="49" charset="0"/>
-              </a:rPr>
-              <a:t> </a:t>
-            </a:r>
-            <a:endParaRPr lang="en-US" sz="1200" dirty="0">
+              <a:t>This shows the bank performance over the years from 2010 to date, The Bank has been doing great an indication that they are incresing their market share as the time goes by.2023 seems to be the best year for the Bank.</a:t>
+            </a:r>
+            <a:endParaRPr lang="en-US" sz="1335" b="0" dirty="0">
               <a:solidFill>
-                <a:srgbClr val="7CA668"/>
+                <a:schemeClr val="tx1"/>
               </a:solidFill>
               <a:effectLst/>
               <a:latin typeface="Consolas" panose="020B0609020204030204" pitchFamily="49" charset="0"/>
@@ -3461,8 +3524,8 @@
         </p:blipFill>
         <p:spPr>
           <a:xfrm>
-            <a:off x="599440" y="1539875"/>
-            <a:ext cx="11369040" cy="5053965"/>
+            <a:off x="386080" y="2235835"/>
+            <a:ext cx="11287760" cy="4459605"/>
           </a:xfrm>
         </p:spPr>
       </p:pic>
@@ -3504,19 +3567,16 @@
         <p:spPr/>
         <p:txBody>
           <a:bodyPr>
-            <a:normAutofit fontScale="90000"/>
+            <a:normAutofit/>
           </a:bodyPr>
           <a:lstStyle/>
           <a:p>
             <a:r>
-              <a:rPr lang="en-US" sz="3110" b="0" dirty="0">
-                <a:solidFill>
-                  <a:schemeClr val="tx1"/>
-                </a:solidFill>
+              <a:rPr lang="en-US" sz="2800" b="1" dirty="0">
                 <a:effectLst/>
                 <a:latin typeface="Consolas" panose="020B0609020204030204" pitchFamily="49" charset="0"/>
               </a:rPr>
-              <a:t># Trend of loan amounts issued in various years to show if its on the upward trend or downward trend</a:t>
+              <a:t>#Loan Amounts Trend over the years</a:t>
             </a:r>
             <a:br>
               <a:rPr lang="en-US" b="0" dirty="0">
@@ -3527,17 +3587,26 @@
                 <a:latin typeface="Consolas" panose="020B0609020204030204" pitchFamily="49" charset="0"/>
               </a:rPr>
             </a:br>
-            <a:r>
-              <a:rPr lang="en-US" sz="1335" b="0" dirty="0">
+            <a:br>
+              <a:rPr lang="en-US" sz="1200" b="0" dirty="0">
                 <a:solidFill>
                   <a:schemeClr val="tx1"/>
                 </a:solidFill>
                 <a:effectLst/>
                 <a:latin typeface="Consolas" panose="020B0609020204030204" pitchFamily="49" charset="0"/>
               </a:rPr>
-              <a:t>This shows the bank performance over the years from 2010 to date, The Bank has been doing great an indication that they are incresing their market share as the time goes by.2023 seems to be the best year for the Bank.</a:t>
-            </a:r>
-            <a:endParaRPr lang="en-US" sz="1335" b="0" dirty="0">
+            </a:br>
+            <a:r>
+              <a:rPr lang="en-US" sz="1200" b="0" dirty="0">
+                <a:solidFill>
+                  <a:schemeClr val="tx1"/>
+                </a:solidFill>
+                <a:effectLst/>
+                <a:latin typeface="Consolas" panose="020B0609020204030204" pitchFamily="49" charset="0"/>
+              </a:rPr>
+              <a:t>This shows the trend of loan amounts over the years an indication that the company is thriving well despite the harsh economic conditions</a:t>
+            </a:r>
+            <a:endParaRPr lang="en-US" sz="1200" b="0" dirty="0">
               <a:solidFill>
                 <a:schemeClr val="tx1"/>
               </a:solidFill>
@@ -3565,8 +3634,8 @@
         </p:blipFill>
         <p:spPr>
           <a:xfrm>
-            <a:off x="386080" y="2235835"/>
-            <a:ext cx="11287760" cy="4459605"/>
+            <a:off x="528320" y="1825624"/>
+            <a:ext cx="11267439" cy="4808855"/>
           </a:xfrm>
         </p:spPr>
       </p:pic>
@@ -3617,116 +3686,6 @@
                 <a:effectLst/>
                 <a:latin typeface="Consolas" panose="020B0609020204030204" pitchFamily="49" charset="0"/>
               </a:rPr>
-              <a:t>#Loan Amounts Trend over the years</a:t>
-            </a:r>
-            <a:br>
-              <a:rPr lang="en-US" b="0" dirty="0">
-                <a:solidFill>
-                  <a:srgbClr val="FFFFFF"/>
-                </a:solidFill>
-                <a:effectLst/>
-                <a:latin typeface="Consolas" panose="020B0609020204030204" pitchFamily="49" charset="0"/>
-              </a:rPr>
-            </a:br>
-            <a:br>
-              <a:rPr lang="en-US" sz="1200" b="0" dirty="0">
-                <a:solidFill>
-                  <a:schemeClr val="tx1"/>
-                </a:solidFill>
-                <a:effectLst/>
-                <a:latin typeface="Consolas" panose="020B0609020204030204" pitchFamily="49" charset="0"/>
-              </a:rPr>
-            </a:br>
-            <a:r>
-              <a:rPr lang="en-US" sz="1200" b="0" dirty="0">
-                <a:solidFill>
-                  <a:schemeClr val="tx1"/>
-                </a:solidFill>
-                <a:effectLst/>
-                <a:latin typeface="Consolas" panose="020B0609020204030204" pitchFamily="49" charset="0"/>
-              </a:rPr>
-              <a:t>This shows the trend of loan amounts over the years an indication that the company is thriving well despite the harsh economic conditions</a:t>
-            </a:r>
-            <a:endParaRPr lang="en-US" sz="1200" b="0" dirty="0">
-              <a:solidFill>
-                <a:schemeClr val="tx1"/>
-              </a:solidFill>
-              <a:effectLst/>
-              <a:latin typeface="Consolas" panose="020B0609020204030204" pitchFamily="49" charset="0"/>
-            </a:endParaRPr>
-          </a:p>
-        </p:txBody>
-      </p:sp>
-      <p:pic>
-        <p:nvPicPr>
-          <p:cNvPr id="5" name="Content Placeholder 4"/>
-          <p:cNvPicPr>
-            <a:picLocks noGrp="1" noChangeAspect="1"/>
-          </p:cNvPicPr>
-          <p:nvPr>
-            <p:ph idx="1"/>
-          </p:nvPr>
-        </p:nvPicPr>
-        <p:blipFill>
-          <a:blip r:embed="rId1"/>
-          <a:stretch>
-            <a:fillRect/>
-          </a:stretch>
-        </p:blipFill>
-        <p:spPr>
-          <a:xfrm>
-            <a:off x="528320" y="1825624"/>
-            <a:ext cx="11267439" cy="4808855"/>
-          </a:xfrm>
-        </p:spPr>
-      </p:pic>
-    </p:spTree>
-  </p:cSld>
-  <p:clrMapOvr>
-    <a:masterClrMapping/>
-  </p:clrMapOvr>
-</p:sld>
-</file>
-
-<file path=ppt/slides/slide8.xml><?xml version="1.0" encoding="utf-8"?>
-<p:sld xmlns:a="http://schemas.openxmlformats.org/drawingml/2006/main" xmlns:r="http://schemas.openxmlformats.org/officeDocument/2006/relationships" xmlns:p="http://schemas.openxmlformats.org/presentationml/2006/main">
-  <p:cSld>
-    <p:spTree>
-      <p:nvGrpSpPr>
-        <p:cNvPr id="1" name=""/>
-        <p:cNvGrpSpPr/>
-        <p:nvPr/>
-      </p:nvGrpSpPr>
-      <p:grpSpPr>
-        <a:xfrm>
-          <a:off x="0" y="0"/>
-          <a:ext cx="0" cy="0"/>
-          <a:chOff x="0" y="0"/>
-          <a:chExt cx="0" cy="0"/>
-        </a:xfrm>
-      </p:grpSpPr>
-      <p:sp>
-        <p:nvSpPr>
-          <p:cNvPr id="2" name="Title 1"/>
-          <p:cNvSpPr>
-            <a:spLocks noGrp="1"/>
-          </p:cNvSpPr>
-          <p:nvPr>
-            <p:ph type="title"/>
-          </p:nvPr>
-        </p:nvSpPr>
-        <p:spPr/>
-        <p:txBody>
-          <a:bodyPr>
-            <a:normAutofit/>
-          </a:bodyPr>
-          <a:lstStyle/>
-          <a:p>
-            <a:r>
-              <a:rPr lang="en-US" sz="2800" b="1" dirty="0">
-                <a:effectLst/>
-                <a:latin typeface="Consolas" panose="020B0609020204030204" pitchFamily="49" charset="0"/>
-              </a:rPr>
               <a:t>#Trend Count of Account holders over the years</a:t>
             </a:r>
             <a:br>
@@ -3789,7 +3748,7 @@
 </p:sld>
 </file>
 
-<file path=ppt/slides/slide9.xml><?xml version="1.0" encoding="utf-8"?>
+<file path=ppt/slides/slide8.xml><?xml version="1.0" encoding="utf-8"?>
 <p:sld xmlns:a="http://schemas.openxmlformats.org/drawingml/2006/main" xmlns:r="http://schemas.openxmlformats.org/officeDocument/2006/relationships" xmlns:p="http://schemas.openxmlformats.org/presentationml/2006/main">
   <p:cSld>
     <p:spTree>
